--- a/Java_PPT/#3_DataTypes.pptx
+++ b/Java_PPT/#3_DataTypes.pptx
@@ -18,6 +18,8 @@
     <p:sldId id="266" r:id="rId13"/>
     <p:sldId id="267" r:id="rId14"/>
     <p:sldId id="268" r:id="rId15"/>
+    <p:sldId id="269" r:id="rId16"/>
+    <p:sldId id="270" r:id="rId17"/>
   </p:sldIdLst>
   <p:sldSz cx="12188825" cy="6858000"/>
   <p:notesSz cx="12188825" cy="6858000"/>
@@ -5375,6 +5377,926 @@
       </p:grpSpPr>
       <p:sp>
         <p:nvSpPr>
+          <p:cNvPr id="115710681" name="Rectangle 3"/>
+          <p:cNvSpPr/>
+          <p:nvPr/>
+        </p:nvSpPr>
+        <p:spPr bwMode="auto">
+          <a:xfrm flipH="0" flipV="0">
+            <a:off x="38844" y="77753"/>
+            <a:ext cx="12209572" cy="682688"/>
+          </a:xfrm>
+          <a:prstGeom prst="rect">
+            <a:avLst/>
+          </a:prstGeom>
+        </p:spPr>
+        <p:txBody>
+          <a:bodyPr vert="horz" lIns="121896" tIns="60948" rIns="121896" bIns="60948" rtlCol="0" anchor="b">
+            <a:noAutofit/>
+          </a:bodyPr>
+          <a:lstStyle/>
+          <a:p>
+            <a:pPr>
+              <a:defRPr/>
+            </a:pPr>
+            <a:r>
+              <a:rPr lang="en-GB" sz="4000" b="1" i="0" u="none" strike="noStrike" cap="none" spc="0">
+                <a:solidFill>
+                  <a:schemeClr val="tx1"/>
+                </a:solidFill>
+                <a:latin typeface="Constantia"/>
+                <a:ea typeface="Liberation Sans"/>
+                <a:cs typeface="Constantia"/>
+              </a:rPr>
+              <a:t>Encoding Scheme</a:t>
+            </a:r>
+            <a:endParaRPr sz="4000" b="1"/>
+          </a:p>
+        </p:txBody>
+      </p:sp>
+      <p:sp>
+        <p:nvSpPr>
+          <p:cNvPr id="1768415457" name="TextBox 7"/>
+          <p:cNvSpPr txBox="1"/>
+          <p:nvPr/>
+        </p:nvSpPr>
+        <p:spPr bwMode="auto">
+          <a:xfrm flipH="0" flipV="0">
+            <a:off x="100678" y="1069131"/>
+            <a:ext cx="11990347" cy="4785719"/>
+          </a:xfrm>
+          <a:prstGeom prst="rect">
+            <a:avLst/>
+          </a:prstGeom>
+          <a:noFill/>
+        </p:spPr>
+        <p:txBody>
+          <a:bodyPr wrap="square">
+            <a:spAutoFit/>
+          </a:bodyPr>
+          <a:lstStyle/>
+          <a:p>
+            <a:pPr>
+              <a:defRPr/>
+            </a:pPr>
+            <a:endParaRPr lang="en-GB" sz="2800" b="0" i="0" u="none" strike="noStrike" cap="none" spc="0">
+              <a:solidFill>
+                <a:schemeClr val="tx1"/>
+              </a:solidFill>
+              <a:latin typeface="Constantia"/>
+              <a:cs typeface="Constantia"/>
+            </a:endParaRPr>
+          </a:p>
+          <a:p>
+            <a:pPr>
+              <a:defRPr/>
+            </a:pPr>
+            <a:r>
+              <a:rPr lang="en-GB" sz="2800" b="1" i="0" u="none" strike="noStrike" cap="none" spc="0">
+                <a:solidFill>
+                  <a:srgbClr val="C00000"/>
+                </a:solidFill>
+                <a:latin typeface="Constantia"/>
+                <a:ea typeface="Liberation Sans"/>
+                <a:cs typeface="Constantia"/>
+              </a:rPr>
+              <a:t>UTF-32:</a:t>
+            </a:r>
+            <a:r>
+              <a:rPr lang="en-GB" sz="2800" b="0" i="0" u="none" strike="noStrike" cap="none" spc="0">
+                <a:solidFill>
+                  <a:schemeClr val="tx1"/>
+                </a:solidFill>
+                <a:latin typeface="Constantia"/>
+                <a:ea typeface="Liberation Sans"/>
+                <a:cs typeface="Constantia"/>
+              </a:rPr>
+              <a:t> UTF-32 is a fixed-length encoding scheme that uses 4 bytes to represent each code point. It is not as commonly used as UTF-8 or UTF-16, but it is used in some specialized applications and programming languages such as Python. In UTF-32, each code point is represented by a single 32-bit value, which makes it the simplest encoding scheme in terms of byte order and byte alignment.</a:t>
+            </a:r>
+            <a:endParaRPr lang="en-GB" sz="2800" b="0" i="0" u="none" strike="noStrike" cap="none" spc="0">
+              <a:solidFill>
+                <a:schemeClr val="tx1"/>
+              </a:solidFill>
+              <a:latin typeface="Constantia"/>
+              <a:cs typeface="Constantia"/>
+            </a:endParaRPr>
+          </a:p>
+          <a:p>
+            <a:pPr>
+              <a:defRPr/>
+            </a:pPr>
+            <a:endParaRPr lang="en-GB" sz="2800" b="0" i="0" u="none" strike="noStrike" cap="none" spc="0">
+              <a:solidFill>
+                <a:schemeClr val="tx1"/>
+              </a:solidFill>
+              <a:latin typeface="Constantia"/>
+              <a:cs typeface="Constantia"/>
+            </a:endParaRPr>
+          </a:p>
+          <a:p>
+            <a:pPr>
+              <a:defRPr/>
+            </a:pPr>
+            <a:r>
+              <a:rPr lang="en-GB" sz="2800" b="1" i="0" u="none" strike="noStrike" cap="none" spc="0">
+                <a:solidFill>
+                  <a:srgbClr val="C00000"/>
+                </a:solidFill>
+                <a:latin typeface="Constantia"/>
+                <a:ea typeface="Liberation Sans"/>
+                <a:cs typeface="Constantia"/>
+              </a:rPr>
+              <a:t>UTF-EBCDIC: </a:t>
+            </a:r>
+            <a:r>
+              <a:rPr lang="en-GB" sz="2800" b="0" i="0" u="none" strike="noStrike" cap="none" spc="0">
+                <a:solidFill>
+                  <a:schemeClr val="tx1"/>
+                </a:solidFill>
+                <a:latin typeface="Constantia"/>
+                <a:ea typeface="Liberation Sans"/>
+                <a:cs typeface="Constantia"/>
+              </a:rPr>
+              <a:t>UTF-EBCDIC is an encoding scheme that maps Unicode code points to EBCDIC characters, which are used in some mainframe computer systems.</a:t>
+            </a:r>
+            <a:endParaRPr lang="en-GB" sz="2800" b="0" i="0" u="none" strike="noStrike" cap="none" spc="0">
+              <a:solidFill>
+                <a:schemeClr val="tx1"/>
+              </a:solidFill>
+              <a:latin typeface="Constantia"/>
+              <a:cs typeface="Constantia"/>
+            </a:endParaRPr>
+          </a:p>
+        </p:txBody>
+      </p:sp>
+    </p:spTree>
+  </p:cSld>
+  <p:clrMapOvr>
+    <a:masterClrMapping/>
+  </p:clrMapOvr>
+  <mc:AlternateContent xmlns:mc="http://schemas.openxmlformats.org/markup-compatibility/2006">
+    <mc:Choice xmlns:p14="http://schemas.microsoft.com/office/powerpoint/2010/main" Requires="p14">
+      <p:transition spd="med" p14:dur="700" advClick="1">
+        <p:fade thruBlk="0"/>
+      </p:transition>
+    </mc:Choice>
+    <mc:Fallback>
+      <p:transition spd="med" advClick="1">
+        <p:fade thruBlk="0"/>
+      </p:transition>
+    </mc:Fallback>
+  </mc:AlternateContent>
+</p:sld>
+</file>
+
+<file path=ppt/slides/slide11.xml><?xml version="1.0" encoding="utf-8"?>
+<p:sld xmlns:a="http://schemas.openxmlformats.org/drawingml/2006/main" xmlns:r="http://schemas.openxmlformats.org/officeDocument/2006/relationships" xmlns:p="http://schemas.openxmlformats.org/presentationml/2006/main" xmlns:m="http://schemas.openxmlformats.org/officeDocument/2006/math" xmlns:w="http://schemas.openxmlformats.org/wordprocessingml/2006/main" showMasterPhAnim="0" show="1">
+  <p:cSld name="">
+    <p:spTree>
+      <p:nvGrpSpPr>
+        <p:cNvPr id="1" name=""/>
+        <p:cNvGrpSpPr/>
+        <p:nvPr/>
+      </p:nvGrpSpPr>
+      <p:grpSpPr bwMode="auto">
+        <a:xfrm>
+          <a:off x="0" y="0"/>
+          <a:ext cx="0" cy="0"/>
+          <a:chOff x="0" y="0"/>
+          <a:chExt cx="0" cy="0"/>
+        </a:xfrm>
+      </p:grpSpPr>
+      <p:sp>
+        <p:nvSpPr>
+          <p:cNvPr id="1949439995" name="Rectangle 3"/>
+          <p:cNvSpPr/>
+          <p:nvPr/>
+        </p:nvSpPr>
+        <p:spPr bwMode="auto">
+          <a:xfrm flipH="0" flipV="0">
+            <a:off x="38844" y="77753"/>
+            <a:ext cx="12209572" cy="682688"/>
+          </a:xfrm>
+          <a:prstGeom prst="rect">
+            <a:avLst/>
+          </a:prstGeom>
+        </p:spPr>
+        <p:txBody>
+          <a:bodyPr vert="horz" lIns="121896" tIns="60948" rIns="121896" bIns="60948" rtlCol="0" anchor="b">
+            <a:noAutofit/>
+          </a:bodyPr>
+          <a:lstStyle/>
+          <a:p>
+            <a:pPr>
+              <a:defRPr/>
+            </a:pPr>
+            <a:r>
+              <a:rPr lang="en-GB" sz="4000" b="1" i="0" u="none" strike="noStrike" cap="none" spc="0">
+                <a:solidFill>
+                  <a:schemeClr val="tx1"/>
+                </a:solidFill>
+                <a:latin typeface="Constantia"/>
+                <a:ea typeface="Liberation Sans"/>
+                <a:cs typeface="Constantia"/>
+              </a:rPr>
+              <a:t>Encoding Scheme</a:t>
+            </a:r>
+            <a:endParaRPr b="1"/>
+          </a:p>
+        </p:txBody>
+      </p:sp>
+      <p:sp>
+        <p:nvSpPr>
+          <p:cNvPr id="1461823376" name="TextBox 7"/>
+          <p:cNvSpPr txBox="1"/>
+          <p:nvPr/>
+        </p:nvSpPr>
+        <p:spPr bwMode="auto">
+          <a:xfrm flipH="0" flipV="0">
+            <a:off x="98158" y="874744"/>
+            <a:ext cx="11992867" cy="4358999"/>
+          </a:xfrm>
+          <a:prstGeom prst="rect">
+            <a:avLst/>
+          </a:prstGeom>
+          <a:noFill/>
+        </p:spPr>
+        <p:txBody>
+          <a:bodyPr wrap="square">
+            <a:spAutoFit/>
+          </a:bodyPr>
+          <a:lstStyle/>
+          <a:p>
+            <a:pPr>
+              <a:defRPr/>
+            </a:pPr>
+            <a:endParaRPr lang="en-GB" sz="2800" b="0" i="0" u="none" strike="noStrike" cap="none" spc="0">
+              <a:solidFill>
+                <a:schemeClr val="tx1"/>
+              </a:solidFill>
+              <a:latin typeface="Constantia"/>
+              <a:cs typeface="Constantia"/>
+            </a:endParaRPr>
+          </a:p>
+          <a:p>
+            <a:pPr>
+              <a:defRPr/>
+            </a:pPr>
+            <a:r>
+              <a:rPr lang="en-GB" sz="2800" b="0" i="0" u="none" strike="noStrike" cap="none" spc="0">
+                <a:solidFill>
+                  <a:schemeClr val="tx1"/>
+                </a:solidFill>
+                <a:latin typeface="Constantia"/>
+                <a:ea typeface="Liberation Sans"/>
+                <a:cs typeface="Constantia"/>
+              </a:rPr>
+              <a:t>The choice of encoding scheme depends on the specific requirements of the application or system. UTF-8 is a good choice for web applications and text processing because of its compatibility with ASCII and its compact size for common characters. UTF-16 is a good choice for applications that need to handle characters outside the BMP, such as certain Asian languages. UTF-32 is a good choice for applications that require a fixed-size representation of each code point and need to perform random access or indexing of Unicode text.</a:t>
+            </a:r>
+            <a:br>
+              <a:rPr sz="1200" b="0" i="0" u="none">
+                <a:solidFill>
+                  <a:srgbClr val="374151"/>
+                </a:solidFill>
+                <a:latin typeface="Liberation Sans"/>
+                <a:ea typeface="Liberation Sans"/>
+                <a:cs typeface="Liberation Sans"/>
+              </a:rPr>
+            </a:br>
+            <a:endParaRPr lang="en-GB" sz="2800" b="0" i="0" u="none" strike="noStrike" cap="none" spc="0">
+              <a:solidFill>
+                <a:schemeClr val="tx1"/>
+              </a:solidFill>
+              <a:latin typeface="Constantia"/>
+              <a:cs typeface="Constantia"/>
+            </a:endParaRPr>
+          </a:p>
+        </p:txBody>
+      </p:sp>
+    </p:spTree>
+  </p:cSld>
+  <p:clrMapOvr>
+    <a:masterClrMapping/>
+  </p:clrMapOvr>
+  <mc:AlternateContent xmlns:mc="http://schemas.openxmlformats.org/markup-compatibility/2006">
+    <mc:Choice xmlns:p14="http://schemas.microsoft.com/office/powerpoint/2010/main" Requires="p14">
+      <p:transition spd="med" p14:dur="700" advClick="1">
+        <p:fade thruBlk="0"/>
+      </p:transition>
+    </mc:Choice>
+    <mc:Fallback>
+      <p:transition spd="med" advClick="1">
+        <p:fade thruBlk="0"/>
+      </p:transition>
+    </mc:Fallback>
+  </mc:AlternateContent>
+</p:sld>
+</file>
+
+<file path=ppt/slides/slide12.xml><?xml version="1.0" encoding="utf-8"?>
+<p:sld xmlns:a="http://schemas.openxmlformats.org/drawingml/2006/main" xmlns:r="http://schemas.openxmlformats.org/officeDocument/2006/relationships" xmlns:p="http://schemas.openxmlformats.org/presentationml/2006/main" xmlns:m="http://schemas.openxmlformats.org/officeDocument/2006/math" xmlns:w="http://schemas.openxmlformats.org/wordprocessingml/2006/main" showMasterPhAnim="0" show="1">
+  <p:cSld name="">
+    <p:spTree>
+      <p:nvGrpSpPr>
+        <p:cNvPr id="1" name=""/>
+        <p:cNvGrpSpPr/>
+        <p:nvPr/>
+      </p:nvGrpSpPr>
+      <p:grpSpPr bwMode="auto">
+        <a:xfrm>
+          <a:off x="0" y="0"/>
+          <a:ext cx="0" cy="0"/>
+          <a:chOff x="0" y="0"/>
+          <a:chExt cx="0" cy="0"/>
+        </a:xfrm>
+      </p:grpSpPr>
+      <p:sp>
+        <p:nvSpPr>
+          <p:cNvPr id="3" name="Rectangle 2"/>
+          <p:cNvSpPr/>
+          <p:nvPr/>
+        </p:nvSpPr>
+        <p:spPr bwMode="auto">
+          <a:xfrm>
+            <a:off x="-32068" y="1"/>
+            <a:ext cx="9483750" cy="762000"/>
+          </a:xfrm>
+          <a:prstGeom prst="rect">
+            <a:avLst/>
+          </a:prstGeom>
+        </p:spPr>
+        <p:txBody>
+          <a:bodyPr vert="horz" lIns="121898" tIns="60949" rIns="121898" bIns="60949" rtlCol="0" anchor="b">
+            <a:noAutofit/>
+          </a:bodyPr>
+          <a:lstStyle/>
+          <a:p>
+            <a:pPr>
+              <a:defRPr/>
+            </a:pPr>
+            <a:r>
+              <a:rPr lang="en-US" sz="4000" b="1"/>
+              <a:t>Type Cast</a:t>
+            </a:r>
+            <a:endParaRPr/>
+          </a:p>
+        </p:txBody>
+      </p:sp>
+      <p:sp>
+        <p:nvSpPr>
+          <p:cNvPr id="5" name="TextBox 4"/>
+          <p:cNvSpPr txBox="1"/>
+          <p:nvPr/>
+        </p:nvSpPr>
+        <p:spPr bwMode="auto">
+          <a:xfrm flipH="0" flipV="0">
+            <a:off x="196377" y="707571"/>
+            <a:ext cx="11903730" cy="6556607"/>
+          </a:xfrm>
+          <a:prstGeom prst="rect">
+            <a:avLst/>
+          </a:prstGeom>
+          <a:noFill/>
+        </p:spPr>
+        <p:txBody>
+          <a:bodyPr wrap="square">
+            <a:spAutoFit/>
+          </a:bodyPr>
+          <a:lstStyle>
+            <a:defPPr>
+              <a:defRPr lang="en-US"/>
+            </a:defPPr>
+            <a:lvl1pPr marL="304747" indent="-304747">
+              <a:lnSpc>
+                <a:spcPct val="90000"/>
+              </a:lnSpc>
+              <a:spcBef>
+                <a:spcPts val="1800"/>
+              </a:spcBef>
+              <a:buClr>
+                <a:schemeClr val="accent1">
+                  <a:lumMod val="75000"/>
+                </a:schemeClr>
+              </a:buClr>
+              <a:buFont typeface="Arial"/>
+              <a:buChar char="•"/>
+              <a:defRPr sz="2800" b="1">
+                <a:solidFill>
+                  <a:schemeClr val="accent6">
+                    <a:lumMod val="75000"/>
+                  </a:schemeClr>
+                </a:solidFill>
+              </a:defRPr>
+            </a:lvl1pPr>
+          </a:lstStyle>
+          <a:p>
+            <a:pPr algn="l">
+              <a:defRPr/>
+            </a:pPr>
+            <a:r>
+              <a:rPr lang="en-US" sz="2600">
+                <a:solidFill>
+                  <a:srgbClr val="C00000"/>
+                </a:solidFill>
+                <a:latin typeface="+mj-lt"/>
+              </a:rPr>
+              <a:t>Casting is process of changing one type value to another type in java</a:t>
+            </a:r>
+            <a:endParaRPr/>
+          </a:p>
+          <a:p>
+            <a:pPr marL="0" indent="0" algn="l">
+              <a:lnSpc>
+                <a:spcPct val="100000"/>
+              </a:lnSpc>
+              <a:spcBef>
+                <a:spcPts val="0"/>
+              </a:spcBef>
+              <a:buNone/>
+              <a:defRPr/>
+            </a:pPr>
+            <a:r>
+              <a:rPr lang="en-US" sz="2400">
+                <a:solidFill>
+                  <a:schemeClr val="accent6">
+                    <a:lumMod val="50000"/>
+                  </a:schemeClr>
+                </a:solidFill>
+                <a:latin typeface="+mj-lt"/>
+              </a:rPr>
+              <a:t>1) Implicit Type Casting(Widening Casting) :</a:t>
+            </a:r>
+            <a:endParaRPr/>
+          </a:p>
+          <a:p>
+            <a:pPr marL="0" indent="0" algn="l">
+              <a:lnSpc>
+                <a:spcPct val="100000"/>
+              </a:lnSpc>
+              <a:spcBef>
+                <a:spcPts val="0"/>
+              </a:spcBef>
+              <a:buNone/>
+              <a:defRPr/>
+            </a:pPr>
+            <a:r>
+              <a:rPr lang="en-US" sz="2400" b="0">
+                <a:solidFill>
+                  <a:schemeClr val="tx1"/>
+                </a:solidFill>
+                <a:latin typeface="+mj-lt"/>
+              </a:rPr>
+              <a:t>             </a:t>
+            </a:r>
+            <a:r>
+              <a:rPr lang="en-US" sz="2400">
+                <a:solidFill>
+                  <a:srgbClr val="C00000"/>
+                </a:solidFill>
+                <a:latin typeface="+mj-lt"/>
+              </a:rPr>
+              <a:t>byte--&gt;short--&gt;int--&gt;long--&gt;float--&gt;double</a:t>
+            </a:r>
+            <a:r>
+              <a:rPr lang="en-US" sz="2400" b="0">
+                <a:solidFill>
+                  <a:srgbClr val="C00000"/>
+                </a:solidFill>
+                <a:latin typeface="Constantia"/>
+              </a:rPr>
+              <a:t>  </a:t>
+            </a:r>
+            <a:endParaRPr/>
+          </a:p>
+          <a:p>
+            <a:pPr marL="0" indent="0" algn="l">
+              <a:lnSpc>
+                <a:spcPct val="100000"/>
+              </a:lnSpc>
+              <a:spcBef>
+                <a:spcPts val="0"/>
+              </a:spcBef>
+              <a:buNone/>
+              <a:defRPr/>
+            </a:pPr>
+            <a:r>
+              <a:rPr lang="en-GB" sz="2800" b="0" i="0" u="none" strike="noStrike" cap="none" spc="0">
+                <a:solidFill>
+                  <a:schemeClr val="tx1"/>
+                </a:solidFill>
+                <a:latin typeface="Constantia"/>
+                <a:ea typeface="Liberation Sans"/>
+                <a:cs typeface="Constantia"/>
+              </a:rPr>
+              <a:t>Implicit type casting, also known as widening or automatic type promotion, occurs when the conversion is done automatically by the compiler. This happens when a value of a smaller data type is assigned to a variable of a larger data type.</a:t>
+            </a:r>
+            <a:endParaRPr/>
+          </a:p>
+          <a:p>
+            <a:pPr marL="0" indent="0" algn="l">
+              <a:buNone/>
+              <a:defRPr/>
+            </a:pPr>
+            <a:r>
+              <a:rPr lang="en-US" sz="2400">
+                <a:solidFill>
+                  <a:schemeClr val="accent6">
+                    <a:lumMod val="50000"/>
+                  </a:schemeClr>
+                </a:solidFill>
+                <a:latin typeface="+mj-lt"/>
+              </a:rPr>
+              <a:t>2) Explicit Type Casting(Narrowing Casting) </a:t>
+            </a:r>
+            <a:endParaRPr/>
+          </a:p>
+          <a:p>
+            <a:pPr marL="0" indent="0" algn="l">
+              <a:lnSpc>
+                <a:spcPct val="100000"/>
+              </a:lnSpc>
+              <a:spcBef>
+                <a:spcPts val="0"/>
+              </a:spcBef>
+              <a:buNone/>
+              <a:defRPr/>
+            </a:pPr>
+            <a:r>
+              <a:rPr lang="en-US" sz="2400">
+                <a:solidFill>
+                  <a:schemeClr val="tx1"/>
+                </a:solidFill>
+                <a:latin typeface="+mj-lt"/>
+              </a:rPr>
+              <a:t>         </a:t>
+            </a:r>
+            <a:r>
+              <a:rPr lang="en-US" sz="2400">
+                <a:solidFill>
+                  <a:srgbClr val="C00000"/>
+                </a:solidFill>
+                <a:latin typeface="Constantia"/>
+              </a:rPr>
+              <a:t>    </a:t>
+            </a:r>
+            <a:r>
+              <a:rPr lang="en-US" sz="2400" u="sng">
+                <a:solidFill>
+                  <a:srgbClr val="C00000"/>
+                </a:solidFill>
+                <a:latin typeface="+mj-lt"/>
+              </a:rPr>
+              <a:t>double--&gt;float--&gt;long--&gt;int--&gt;short--&gt;byte</a:t>
+            </a:r>
+            <a:r>
+              <a:rPr lang="en-US" sz="2400" u="sng">
+                <a:solidFill>
+                  <a:schemeClr val="tx1"/>
+                </a:solidFill>
+                <a:latin typeface="Constantia"/>
+              </a:rPr>
+              <a:t>      </a:t>
+            </a:r>
+            <a:endParaRPr/>
+          </a:p>
+          <a:p>
+            <a:pPr marL="0" indent="0" algn="l">
+              <a:lnSpc>
+                <a:spcPct val="100000"/>
+              </a:lnSpc>
+              <a:spcBef>
+                <a:spcPts val="0"/>
+              </a:spcBef>
+              <a:buNone/>
+              <a:defRPr/>
+            </a:pPr>
+            <a:r>
+              <a:rPr lang="en-GB" sz="2800" b="0" i="0" u="none" strike="noStrike" cap="none" spc="0">
+                <a:solidFill>
+                  <a:schemeClr val="tx1"/>
+                </a:solidFill>
+                <a:latin typeface="Constantia"/>
+                <a:ea typeface="Liberation Sans"/>
+                <a:cs typeface="Constantia"/>
+              </a:rPr>
+              <a:t>Explicit type casting, also known as narrowing or manual type conversion, occurs when the conversion is done manually by the programmer. This happens when a value of a larger data type is assigned to a variable of a smaller data type. In this case, the programmer needs to use a type casting operator to explicitly cast the value to the desired data type</a:t>
+            </a:r>
+            <a:endParaRPr lang="en-GB" sz="2800" b="0" i="0" u="none" strike="noStrike" cap="none" spc="0">
+              <a:solidFill>
+                <a:schemeClr val="tx1"/>
+              </a:solidFill>
+              <a:latin typeface="Constantia"/>
+              <a:cs typeface="Constantia"/>
+            </a:endParaRPr>
+          </a:p>
+          <a:p>
+            <a:pPr marL="0" indent="0" algn="l">
+              <a:buNone/>
+              <a:defRPr/>
+            </a:pPr>
+            <a:endParaRPr lang="en-US" b="0">
+              <a:solidFill>
+                <a:schemeClr val="tx1"/>
+              </a:solidFill>
+              <a:latin typeface="+mj-lt"/>
+            </a:endParaRPr>
+          </a:p>
+        </p:txBody>
+      </p:sp>
+    </p:spTree>
+  </p:cSld>
+  <p:clrMapOvr>
+    <a:masterClrMapping/>
+  </p:clrMapOvr>
+  <mc:AlternateContent xmlns:mc="http://schemas.openxmlformats.org/markup-compatibility/2006">
+    <mc:Choice xmlns:p14="http://schemas.microsoft.com/office/powerpoint/2010/main" Requires="p14">
+      <p:transition spd="med" p14:dur="700" advClick="1">
+        <p:fade thruBlk="0"/>
+      </p:transition>
+    </mc:Choice>
+    <mc:Fallback>
+      <p:transition spd="med" advClick="1">
+        <p:fade thruBlk="0"/>
+      </p:transition>
+    </mc:Fallback>
+  </mc:AlternateContent>
+</p:sld>
+</file>
+
+<file path=ppt/slides/slide13.xml><?xml version="1.0" encoding="utf-8"?>
+<p:sld xmlns:a="http://schemas.openxmlformats.org/drawingml/2006/main" xmlns:r="http://schemas.openxmlformats.org/officeDocument/2006/relationships" xmlns:p="http://schemas.openxmlformats.org/presentationml/2006/main" xmlns:m="http://schemas.openxmlformats.org/officeDocument/2006/math" xmlns:w="http://schemas.openxmlformats.org/wordprocessingml/2006/main" showMasterPhAnim="0" show="1">
+  <p:cSld name="">
+    <p:spTree>
+      <p:nvGrpSpPr>
+        <p:cNvPr id="1" name=""/>
+        <p:cNvGrpSpPr/>
+        <p:nvPr/>
+      </p:nvGrpSpPr>
+      <p:grpSpPr bwMode="auto">
+        <a:xfrm>
+          <a:off x="0" y="0"/>
+          <a:ext cx="0" cy="0"/>
+          <a:chOff x="0" y="0"/>
+          <a:chExt cx="0" cy="0"/>
+        </a:xfrm>
+      </p:grpSpPr>
+      <p:sp>
+        <p:nvSpPr>
+          <p:cNvPr id="332045303" name="Rectangle 2"/>
+          <p:cNvSpPr/>
+          <p:nvPr/>
+        </p:nvSpPr>
+        <p:spPr bwMode="auto">
+          <a:xfrm>
+            <a:off x="-32067" y="0"/>
+            <a:ext cx="9483750" cy="761998"/>
+          </a:xfrm>
+          <a:prstGeom prst="rect">
+            <a:avLst/>
+          </a:prstGeom>
+        </p:spPr>
+        <p:txBody>
+          <a:bodyPr vert="horz" lIns="121896" tIns="60948" rIns="121896" bIns="60948" rtlCol="0" anchor="b">
+            <a:noAutofit/>
+          </a:bodyPr>
+          <a:lstStyle/>
+          <a:p>
+            <a:pPr>
+              <a:defRPr/>
+            </a:pPr>
+            <a:r>
+              <a:rPr lang="en-US" sz="4000" b="1"/>
+              <a:t>Take user input in JAVA</a:t>
+            </a:r>
+            <a:endParaRPr/>
+          </a:p>
+        </p:txBody>
+      </p:sp>
+      <p:sp>
+        <p:nvSpPr>
+          <p:cNvPr id="115103427" name="TextBox 3"/>
+          <p:cNvSpPr txBox="1"/>
+          <p:nvPr/>
+        </p:nvSpPr>
+        <p:spPr bwMode="auto">
+          <a:xfrm flipH="0" flipV="0">
+            <a:off x="157499" y="1295398"/>
+            <a:ext cx="11507069" cy="1920600"/>
+          </a:xfrm>
+          <a:prstGeom prst="rect">
+            <a:avLst/>
+          </a:prstGeom>
+          <a:noFill/>
+        </p:spPr>
+        <p:txBody>
+          <a:bodyPr wrap="square">
+            <a:spAutoFit/>
+          </a:bodyPr>
+          <a:lstStyle/>
+          <a:p>
+            <a:pPr marL="349965" indent="-349965">
+              <a:buFont typeface="Wingdings"/>
+              <a:buChar char="Ø"/>
+              <a:defRPr/>
+            </a:pPr>
+            <a:r>
+              <a:rPr lang="en-IN" b="1">
+                <a:solidFill>
+                  <a:schemeClr val="accent4"/>
+                </a:solidFill>
+              </a:rPr>
+              <a:t>Java Scanner Class</a:t>
+            </a:r>
+            <a:endParaRPr>
+              <a:solidFill>
+                <a:schemeClr val="accent4"/>
+              </a:solidFill>
+            </a:endParaRPr>
+          </a:p>
+          <a:p>
+            <a:pPr>
+              <a:defRPr/>
+            </a:pPr>
+            <a:r>
+              <a:rPr lang="en-IN" sz="2400" b="0" i="0" u="none" strike="noStrike" cap="none" spc="0">
+                <a:solidFill>
+                  <a:schemeClr val="tx1"/>
+                </a:solidFill>
+                <a:latin typeface="Constantia"/>
+                <a:cs typeface="Constantia"/>
+              </a:rPr>
+              <a:t>In </a:t>
+            </a:r>
+            <a:r>
+              <a:rPr lang="en-IN" sz="2400" b="0" i="0" u="none" strike="noStrike" cap="none" spc="0">
+                <a:solidFill>
+                  <a:schemeClr val="tx1"/>
+                </a:solidFill>
+                <a:latin typeface="Constantia"/>
+                <a:ea typeface="Liberation Sans"/>
+                <a:cs typeface="Constantia"/>
+              </a:rPr>
+              <a:t>Java, you can take user input using the </a:t>
+            </a:r>
+            <a:r>
+              <a:rPr lang="en-IN" sz="2400" b="0" i="0" u="none" strike="noStrike" cap="none" spc="0">
+                <a:solidFill>
+                  <a:schemeClr val="tx1"/>
+                </a:solidFill>
+                <a:latin typeface="Constantia"/>
+                <a:ea typeface="Liberation Sans"/>
+                <a:cs typeface="Constantia"/>
+              </a:rPr>
+              <a:t>Scanner</a:t>
+            </a:r>
+            <a:r>
+              <a:rPr lang="en-IN" sz="2400" b="0" i="0" u="none" strike="noStrike" cap="none" spc="0">
+                <a:solidFill>
+                  <a:schemeClr val="tx1"/>
+                </a:solidFill>
+                <a:latin typeface="Constantia"/>
+                <a:ea typeface="Liberation Sans"/>
+                <a:cs typeface="Constantia"/>
+              </a:rPr>
+              <a:t> class, which is part of the </a:t>
+            </a:r>
+            <a:r>
+              <a:rPr lang="en-IN" sz="2400" b="1" i="0" u="none" strike="noStrike" cap="none" spc="0">
+                <a:solidFill>
+                  <a:schemeClr val="accent4"/>
+                </a:solidFill>
+                <a:latin typeface="Constantia"/>
+                <a:ea typeface="Liberation Sans"/>
+                <a:cs typeface="Constantia"/>
+              </a:rPr>
+              <a:t>java.util</a:t>
+            </a:r>
+            <a:r>
+              <a:rPr lang="en-IN" sz="2400" b="1" i="0" u="none" strike="noStrike" cap="none" spc="0">
+                <a:solidFill>
+                  <a:schemeClr val="accent4"/>
+                </a:solidFill>
+                <a:latin typeface="Constantia"/>
+                <a:ea typeface="Liberation Sans"/>
+                <a:cs typeface="Constantia"/>
+              </a:rPr>
+              <a:t> </a:t>
+            </a:r>
+            <a:r>
+              <a:rPr lang="en-IN" sz="2400" b="0" i="0" u="none" strike="noStrike" cap="none" spc="0">
+                <a:solidFill>
+                  <a:schemeClr val="tx1"/>
+                </a:solidFill>
+                <a:latin typeface="Constantia"/>
+                <a:ea typeface="Liberation Sans"/>
+                <a:cs typeface="Constantia"/>
+              </a:rPr>
+              <a:t>package. The </a:t>
+            </a:r>
+            <a:r>
+              <a:rPr lang="en-IN" sz="2400" b="1" i="0" u="none" strike="noStrike" cap="none" spc="0">
+                <a:solidFill>
+                  <a:schemeClr val="accent4"/>
+                </a:solidFill>
+                <a:latin typeface="Constantia"/>
+                <a:ea typeface="Liberation Sans"/>
+                <a:cs typeface="Constantia"/>
+              </a:rPr>
+              <a:t>Scanner</a:t>
+            </a:r>
+            <a:r>
+              <a:rPr lang="en-IN" sz="2400" b="1" i="0" u="none" strike="noStrike" cap="none" spc="0">
+                <a:solidFill>
+                  <a:schemeClr val="accent4"/>
+                </a:solidFill>
+                <a:latin typeface="Constantia"/>
+                <a:ea typeface="Liberation Sans"/>
+                <a:cs typeface="Constantia"/>
+              </a:rPr>
+              <a:t> class</a:t>
+            </a:r>
+            <a:r>
+              <a:rPr lang="en-IN" sz="2400" b="0" i="0" u="none" strike="noStrike" cap="none" spc="0">
+                <a:solidFill>
+                  <a:schemeClr val="tx1"/>
+                </a:solidFill>
+                <a:latin typeface="Constantia"/>
+                <a:ea typeface="Liberation Sans"/>
+                <a:cs typeface="Constantia"/>
+              </a:rPr>
+              <a:t> provides methods to read input from various sources, such as the keyboard or a file.</a:t>
+            </a:r>
+            <a:endParaRPr/>
+          </a:p>
+          <a:p>
+            <a:pPr>
+              <a:defRPr/>
+            </a:pPr>
+            <a:endParaRPr lang="en-IN"/>
+          </a:p>
+        </p:txBody>
+      </p:sp>
+      <p:pic>
+        <p:nvPicPr>
+          <p:cNvPr id="784875011" name=""/>
+          <p:cNvPicPr>
+            <a:picLocks noChangeAspect="1"/>
+          </p:cNvPicPr>
+          <p:nvPr/>
+        </p:nvPicPr>
+        <p:blipFill>
+          <a:blip r:embed="rId2"/>
+          <a:stretch/>
+        </p:blipFill>
+        <p:spPr bwMode="auto">
+          <a:xfrm flipH="0" flipV="0">
+            <a:off x="3151020" y="2819481"/>
+            <a:ext cx="7931071" cy="3862326"/>
+          </a:xfrm>
+          <a:prstGeom prst="rect">
+            <a:avLst/>
+          </a:prstGeom>
+        </p:spPr>
+      </p:pic>
+    </p:spTree>
+  </p:cSld>
+  <p:clrMapOvr>
+    <a:masterClrMapping/>
+  </p:clrMapOvr>
+  <mc:AlternateContent xmlns:mc="http://schemas.openxmlformats.org/markup-compatibility/2006">
+    <mc:Choice xmlns:p14="http://schemas.microsoft.com/office/powerpoint/2010/main" Requires="p14">
+      <p:transition spd="med" p14:dur="700" advClick="1">
+        <p:fade thruBlk="0"/>
+      </p:transition>
+    </mc:Choice>
+    <mc:Fallback>
+      <p:transition spd="med" advClick="1">
+        <p:fade thruBlk="0"/>
+      </p:transition>
+    </mc:Fallback>
+  </mc:AlternateContent>
+</p:sld>
+</file>
+
+<file path=ppt/slides/slide14.xml><?xml version="1.0" encoding="utf-8"?>
+<p:sld xmlns:a="http://schemas.openxmlformats.org/drawingml/2006/main" xmlns:r="http://schemas.openxmlformats.org/officeDocument/2006/relationships" xmlns:p="http://schemas.openxmlformats.org/presentationml/2006/main" xmlns:m="http://schemas.openxmlformats.org/officeDocument/2006/math" xmlns:w="http://schemas.openxmlformats.org/wordprocessingml/2006/main" showMasterPhAnim="0" show="1">
+  <p:cSld name="">
+    <p:spTree>
+      <p:nvGrpSpPr>
+        <p:cNvPr id="1" name=""/>
+        <p:cNvGrpSpPr/>
+        <p:nvPr/>
+      </p:nvGrpSpPr>
+      <p:grpSpPr bwMode="auto">
+        <a:xfrm>
+          <a:off x="0" y="0"/>
+          <a:ext cx="0" cy="0"/>
+          <a:chOff x="0" y="0"/>
+          <a:chExt cx="0" cy="0"/>
+        </a:xfrm>
+      </p:grpSpPr>
+      <p:sp>
+        <p:nvSpPr>
           <p:cNvPr id="1028908021" name="Rectangle 2"/>
           <p:cNvSpPr/>
           <p:nvPr/>
@@ -5479,22 +6401,22 @@
                     </a:p>
                   </a:txBody>
                   <a:tcPr marL="41064" marR="41064" marT="41064" marB="41064">
-                    <a:lnL w="9523" algn="ctr">
+                    <a:lnL w="9522" algn="ctr">
                       <a:solidFill>
                         <a:srgbClr val="2020D5"/>
                       </a:solidFill>
                     </a:lnL>
-                    <a:lnR w="9523" algn="ctr">
+                    <a:lnR w="9522" algn="ctr">
                       <a:solidFill>
                         <a:srgbClr val="2020D5"/>
                       </a:solidFill>
                     </a:lnR>
-                    <a:lnT w="9523" algn="ctr">
+                    <a:lnT w="9522" algn="ctr">
                       <a:solidFill>
                         <a:srgbClr val="2020D5"/>
                       </a:solidFill>
                     </a:lnT>
-                    <a:lnB w="9523" algn="ctr">
+                    <a:lnB w="9522" algn="ctr">
                       <a:solidFill>
                         <a:srgbClr val="C7CCBE"/>
                       </a:solidFill>
@@ -5524,22 +6446,22 @@
                     </a:p>
                   </a:txBody>
                   <a:tcPr marL="41064" marR="41064" marT="41064" marB="41064">
-                    <a:lnL w="9523" algn="ctr">
+                    <a:lnL w="9522" algn="ctr">
                       <a:solidFill>
                         <a:srgbClr val="2020D5"/>
                       </a:solidFill>
                     </a:lnL>
-                    <a:lnR w="9523" algn="ctr">
+                    <a:lnR w="9522" algn="ctr">
                       <a:solidFill>
                         <a:srgbClr val="2020D5"/>
                       </a:solidFill>
                     </a:lnR>
-                    <a:lnT w="9523" algn="ctr">
+                    <a:lnT w="9522" algn="ctr">
                       <a:solidFill>
                         <a:srgbClr val="2020D5"/>
                       </a:solidFill>
                     </a:lnT>
-                    <a:lnB w="9523" algn="ctr">
+                    <a:lnB w="9522" algn="ctr">
                       <a:solidFill>
                         <a:srgbClr val="C7CCBE"/>
                       </a:solidFill>
@@ -5576,22 +6498,22 @@
                     </a:p>
                   </a:txBody>
                   <a:tcPr marL="27375" marR="27375" marT="27375" marB="27375">
-                    <a:lnL w="9523" algn="ctr">
+                    <a:lnL w="9522" algn="ctr">
                       <a:solidFill>
                         <a:srgbClr val="C7CCBE"/>
                       </a:solidFill>
                     </a:lnL>
-                    <a:lnR w="9523" algn="ctr">
+                    <a:lnR w="9522" algn="ctr">
                       <a:solidFill>
                         <a:srgbClr val="C7CCBE"/>
                       </a:solidFill>
                     </a:lnR>
-                    <a:lnT w="9523" algn="ctr">
+                    <a:lnT w="9522" algn="ctr">
                       <a:solidFill>
                         <a:srgbClr val="C7CCBE"/>
                       </a:solidFill>
                     </a:lnT>
-                    <a:lnB w="9523" algn="ctr">
+                    <a:lnB w="9522" algn="ctr">
                       <a:solidFill>
                         <a:srgbClr val="C7CCBE"/>
                       </a:solidFill>
@@ -5621,22 +6543,22 @@
                     </a:p>
                   </a:txBody>
                   <a:tcPr marL="27375" marR="27375" marT="27375" marB="27375">
-                    <a:lnL w="9523" algn="ctr">
+                    <a:lnL w="9522" algn="ctr">
                       <a:solidFill>
                         <a:srgbClr val="C7CCBE"/>
                       </a:solidFill>
                     </a:lnL>
-                    <a:lnR w="9523" algn="ctr">
+                    <a:lnR w="9522" algn="ctr">
                       <a:solidFill>
                         <a:srgbClr val="C7CCBE"/>
                       </a:solidFill>
                     </a:lnR>
-                    <a:lnT w="9523" algn="ctr">
+                    <a:lnT w="9522" algn="ctr">
                       <a:solidFill>
                         <a:srgbClr val="C7CCBE"/>
                       </a:solidFill>
                     </a:lnT>
-                    <a:lnB w="9523" algn="ctr">
+                    <a:lnB w="9522" algn="ctr">
                       <a:solidFill>
                         <a:srgbClr val="C7CCBE"/>
                       </a:solidFill>
@@ -5673,22 +6595,22 @@
                     </a:p>
                   </a:txBody>
                   <a:tcPr marL="27375" marR="27375" marT="27375" marB="27375">
-                    <a:lnL w="9523" algn="ctr">
+                    <a:lnL w="9522" algn="ctr">
                       <a:solidFill>
                         <a:srgbClr val="C7CCBE"/>
                       </a:solidFill>
                     </a:lnL>
-                    <a:lnR w="9523" algn="ctr">
+                    <a:lnR w="9522" algn="ctr">
                       <a:solidFill>
                         <a:srgbClr val="C7CCBE"/>
                       </a:solidFill>
                     </a:lnR>
-                    <a:lnT w="9523" algn="ctr">
+                    <a:lnT w="9522" algn="ctr">
                       <a:solidFill>
                         <a:srgbClr val="C7CCBE"/>
                       </a:solidFill>
                     </a:lnT>
-                    <a:lnB w="9523" algn="ctr">
+                    <a:lnB w="9522" algn="ctr">
                       <a:solidFill>
                         <a:srgbClr val="C7CCBE"/>
                       </a:solidFill>
@@ -5718,22 +6640,22 @@
                     </a:p>
                   </a:txBody>
                   <a:tcPr marL="27375" marR="27375" marT="27375" marB="27375">
-                    <a:lnL w="9523" algn="ctr">
+                    <a:lnL w="9522" algn="ctr">
                       <a:solidFill>
                         <a:srgbClr val="C7CCBE"/>
                       </a:solidFill>
                     </a:lnL>
-                    <a:lnR w="9523" algn="ctr">
+                    <a:lnR w="9522" algn="ctr">
                       <a:solidFill>
                         <a:srgbClr val="C7CCBE"/>
                       </a:solidFill>
                     </a:lnR>
-                    <a:lnT w="9523" algn="ctr">
+                    <a:lnT w="9522" algn="ctr">
                       <a:solidFill>
                         <a:srgbClr val="C7CCBE"/>
                       </a:solidFill>
                     </a:lnT>
-                    <a:lnB w="9523" algn="ctr">
+                    <a:lnB w="9522" algn="ctr">
                       <a:solidFill>
                         <a:srgbClr val="C7CCBE"/>
                       </a:solidFill>
@@ -5770,22 +6692,22 @@
                     </a:p>
                   </a:txBody>
                   <a:tcPr marL="27375" marR="27375" marT="27375" marB="27375">
-                    <a:lnL w="9523" algn="ctr">
+                    <a:lnL w="9522" algn="ctr">
                       <a:solidFill>
                         <a:srgbClr val="C7CCBE"/>
                       </a:solidFill>
                     </a:lnL>
-                    <a:lnR w="9523" algn="ctr">
+                    <a:lnR w="9522" algn="ctr">
                       <a:solidFill>
                         <a:srgbClr val="C7CCBE"/>
                       </a:solidFill>
                     </a:lnR>
-                    <a:lnT w="9523" algn="ctr">
+                    <a:lnT w="9522" algn="ctr">
                       <a:solidFill>
                         <a:srgbClr val="C7CCBE"/>
                       </a:solidFill>
                     </a:lnT>
-                    <a:lnB w="9523" algn="ctr">
+                    <a:lnB w="9522" algn="ctr">
                       <a:solidFill>
                         <a:srgbClr val="C7CCBE"/>
                       </a:solidFill>
@@ -5815,22 +6737,22 @@
                     </a:p>
                   </a:txBody>
                   <a:tcPr marL="27375" marR="27375" marT="27375" marB="27375">
-                    <a:lnL w="9523" algn="ctr">
+                    <a:lnL w="9522" algn="ctr">
                       <a:solidFill>
                         <a:srgbClr val="C7CCBE"/>
                       </a:solidFill>
                     </a:lnL>
-                    <a:lnR w="9523" algn="ctr">
+                    <a:lnR w="9522" algn="ctr">
                       <a:solidFill>
                         <a:srgbClr val="C7CCBE"/>
                       </a:solidFill>
                     </a:lnR>
-                    <a:lnT w="9523" algn="ctr">
+                    <a:lnT w="9522" algn="ctr">
                       <a:solidFill>
                         <a:srgbClr val="C7CCBE"/>
                       </a:solidFill>
                     </a:lnT>
-                    <a:lnB w="9523" algn="ctr">
+                    <a:lnB w="9522" algn="ctr">
                       <a:solidFill>
                         <a:srgbClr val="C7CCBE"/>
                       </a:solidFill>
@@ -5867,22 +6789,22 @@
                     </a:p>
                   </a:txBody>
                   <a:tcPr marL="27375" marR="27375" marT="27375" marB="27375">
-                    <a:lnL w="9523" algn="ctr">
+                    <a:lnL w="9522" algn="ctr">
                       <a:solidFill>
                         <a:srgbClr val="C7CCBE"/>
                       </a:solidFill>
                     </a:lnL>
-                    <a:lnR w="9523" algn="ctr">
+                    <a:lnR w="9522" algn="ctr">
                       <a:solidFill>
                         <a:srgbClr val="C7CCBE"/>
                       </a:solidFill>
                     </a:lnR>
-                    <a:lnT w="9523" algn="ctr">
+                    <a:lnT w="9522" algn="ctr">
                       <a:solidFill>
                         <a:srgbClr val="C7CCBE"/>
                       </a:solidFill>
                     </a:lnT>
-                    <a:lnB w="9523" algn="ctr">
+                    <a:lnB w="9522" algn="ctr">
                       <a:solidFill>
                         <a:srgbClr val="C7CCBE"/>
                       </a:solidFill>
@@ -5912,22 +6834,22 @@
                     </a:p>
                   </a:txBody>
                   <a:tcPr marL="27375" marR="27375" marT="27375" marB="27375">
-                    <a:lnL w="9523" algn="ctr">
+                    <a:lnL w="9522" algn="ctr">
                       <a:solidFill>
                         <a:srgbClr val="C7CCBE"/>
                       </a:solidFill>
                     </a:lnL>
-                    <a:lnR w="9523" algn="ctr">
+                    <a:lnR w="9522" algn="ctr">
                       <a:solidFill>
                         <a:srgbClr val="C7CCBE"/>
                       </a:solidFill>
                     </a:lnR>
-                    <a:lnT w="9523" algn="ctr">
+                    <a:lnT w="9522" algn="ctr">
                       <a:solidFill>
                         <a:srgbClr val="C7CCBE"/>
                       </a:solidFill>
                     </a:lnT>
-                    <a:lnB w="9523" algn="ctr">
+                    <a:lnB w="9522" algn="ctr">
                       <a:solidFill>
                         <a:srgbClr val="C7CCBE"/>
                       </a:solidFill>
@@ -5964,22 +6886,22 @@
                     </a:p>
                   </a:txBody>
                   <a:tcPr marL="27375" marR="27375" marT="27375" marB="27375">
-                    <a:lnL w="9523" algn="ctr">
+                    <a:lnL w="9522" algn="ctr">
                       <a:solidFill>
                         <a:srgbClr val="C7CCBE"/>
                       </a:solidFill>
                     </a:lnL>
-                    <a:lnR w="9523" algn="ctr">
+                    <a:lnR w="9522" algn="ctr">
                       <a:solidFill>
                         <a:srgbClr val="C7CCBE"/>
                       </a:solidFill>
                     </a:lnR>
-                    <a:lnT w="9523" algn="ctr">
+                    <a:lnT w="9522" algn="ctr">
                       <a:solidFill>
                         <a:srgbClr val="C7CCBE"/>
                       </a:solidFill>
                     </a:lnT>
-                    <a:lnB w="9523" algn="ctr">
+                    <a:lnB w="9522" algn="ctr">
                       <a:solidFill>
                         <a:srgbClr val="C7CCBE"/>
                       </a:solidFill>
@@ -6009,22 +6931,22 @@
                     </a:p>
                   </a:txBody>
                   <a:tcPr marL="27375" marR="27375" marT="27375" marB="27375">
-                    <a:lnL w="9523" algn="ctr">
+                    <a:lnL w="9522" algn="ctr">
                       <a:solidFill>
                         <a:srgbClr val="C7CCBE"/>
                       </a:solidFill>
                     </a:lnL>
-                    <a:lnR w="9523" algn="ctr">
+                    <a:lnR w="9522" algn="ctr">
                       <a:solidFill>
                         <a:srgbClr val="C7CCBE"/>
                       </a:solidFill>
                     </a:lnR>
-                    <a:lnT w="9523" algn="ctr">
+                    <a:lnT w="9522" algn="ctr">
                       <a:solidFill>
                         <a:srgbClr val="C7CCBE"/>
                       </a:solidFill>
                     </a:lnT>
-                    <a:lnB w="9523" algn="ctr">
+                    <a:lnB w="9522" algn="ctr">
                       <a:solidFill>
                         <a:srgbClr val="C7CCBE"/>
                       </a:solidFill>
@@ -6061,22 +6983,22 @@
                     </a:p>
                   </a:txBody>
                   <a:tcPr marL="27375" marR="27375" marT="27375" marB="27375">
-                    <a:lnL w="9523" algn="ctr">
+                    <a:lnL w="9522" algn="ctr">
                       <a:solidFill>
                         <a:srgbClr val="C7CCBE"/>
                       </a:solidFill>
                     </a:lnL>
-                    <a:lnR w="9523" algn="ctr">
+                    <a:lnR w="9522" algn="ctr">
                       <a:solidFill>
                         <a:srgbClr val="C7CCBE"/>
                       </a:solidFill>
                     </a:lnR>
-                    <a:lnT w="9523" algn="ctr">
+                    <a:lnT w="9522" algn="ctr">
                       <a:solidFill>
                         <a:srgbClr val="C7CCBE"/>
                       </a:solidFill>
                     </a:lnT>
-                    <a:lnB w="9523" algn="ctr">
+                    <a:lnB w="9522" algn="ctr">
                       <a:solidFill>
                         <a:srgbClr val="C7CCBE"/>
                       </a:solidFill>
@@ -6106,22 +7028,22 @@
                     </a:p>
                   </a:txBody>
                   <a:tcPr marL="27375" marR="27375" marT="27375" marB="27375">
-                    <a:lnL w="9523" algn="ctr">
+                    <a:lnL w="9522" algn="ctr">
                       <a:solidFill>
                         <a:srgbClr val="C7CCBE"/>
                       </a:solidFill>
                     </a:lnL>
-                    <a:lnR w="9523" algn="ctr">
+                    <a:lnR w="9522" algn="ctr">
                       <a:solidFill>
                         <a:srgbClr val="C7CCBE"/>
                       </a:solidFill>
                     </a:lnR>
-                    <a:lnT w="9523" algn="ctr">
+                    <a:lnT w="9522" algn="ctr">
                       <a:solidFill>
                         <a:srgbClr val="C7CCBE"/>
                       </a:solidFill>
                     </a:lnT>
-                    <a:lnB w="9523" algn="ctr">
+                    <a:lnB w="9522" algn="ctr">
                       <a:solidFill>
                         <a:srgbClr val="C7CCBE"/>
                       </a:solidFill>
@@ -6158,24 +7080,22 @@
                     </a:p>
                   </a:txBody>
                   <a:tcPr marL="27375" marR="27375" marT="27375" marB="27375">
-                    <a:lnL w="9523" algn="ctr">
+                    <a:lnL w="9522" algn="ctr">
                       <a:solidFill>
                         <a:srgbClr val="C7CCBE"/>
                       </a:solidFill>
-                      <a:miter/>
                     </a:lnL>
-                    <a:lnR w="9523" algn="ctr">
+                    <a:lnR w="9522" algn="ctr">
                       <a:solidFill>
                         <a:srgbClr val="C7CCBE"/>
                       </a:solidFill>
-                      <a:miter/>
                     </a:lnR>
-                    <a:lnT w="9523" algn="ctr">
+                    <a:lnT w="9522" algn="ctr">
                       <a:solidFill>
                         <a:srgbClr val="C7CCBE"/>
                       </a:solidFill>
                     </a:lnT>
-                    <a:lnB w="9523" algn="ctr">
+                    <a:lnB w="9522" algn="ctr">
                       <a:solidFill>
                         <a:srgbClr val="C7CCBE"/>
                       </a:solidFill>
@@ -6205,24 +7125,22 @@
                     </a:p>
                   </a:txBody>
                   <a:tcPr marL="27375" marR="27375" marT="27375" marB="27375">
-                    <a:lnL w="9523" algn="ctr">
+                    <a:lnL w="9522" algn="ctr">
                       <a:solidFill>
                         <a:srgbClr val="C7CCBE"/>
                       </a:solidFill>
-                      <a:miter/>
                     </a:lnL>
-                    <a:lnR w="9523" algn="ctr">
+                    <a:lnR w="9522" algn="ctr">
                       <a:solidFill>
                         <a:srgbClr val="C7CCBE"/>
                       </a:solidFill>
                     </a:lnR>
-                    <a:lnT w="9523" algn="ctr">
+                    <a:lnT w="9522" algn="ctr">
                       <a:solidFill>
                         <a:srgbClr val="C7CCBE"/>
                       </a:solidFill>
-                      <a:miter/>
                     </a:lnT>
-                    <a:lnB w="9523" algn="ctr">
+                    <a:lnB w="9522" algn="ctr">
                       <a:solidFill>
                         <a:srgbClr val="C7CCBE"/>
                       </a:solidFill>
@@ -6259,22 +7177,22 @@
                     </a:p>
                   </a:txBody>
                   <a:tcPr marL="27375" marR="27375" marT="27375" marB="27375">
-                    <a:lnL w="9523" algn="ctr">
+                    <a:lnL w="9522" algn="ctr">
                       <a:solidFill>
                         <a:srgbClr val="C7CCBE"/>
                       </a:solidFill>
                     </a:lnL>
-                    <a:lnR w="9523" algn="ctr">
+                    <a:lnR w="9522" algn="ctr">
                       <a:solidFill>
                         <a:srgbClr val="C7CCBE"/>
                       </a:solidFill>
                     </a:lnR>
-                    <a:lnT w="9523" algn="ctr">
+                    <a:lnT w="9522" algn="ctr">
                       <a:solidFill>
                         <a:srgbClr val="C7CCBE"/>
                       </a:solidFill>
                     </a:lnT>
-                    <a:lnB w="9523" algn="ctr">
+                    <a:lnB w="9522" algn="ctr">
                       <a:solidFill>
                         <a:srgbClr val="C7CCBE"/>
                       </a:solidFill>
@@ -6304,22 +7222,22 @@
                     </a:p>
                   </a:txBody>
                   <a:tcPr marL="27375" marR="27375" marT="27375" marB="27375">
-                    <a:lnL w="9523" algn="ctr">
+                    <a:lnL w="9522" algn="ctr">
                       <a:solidFill>
                         <a:srgbClr val="C7CCBE"/>
                       </a:solidFill>
                     </a:lnL>
-                    <a:lnR w="9523" algn="ctr">
+                    <a:lnR w="9522" algn="ctr">
                       <a:solidFill>
                         <a:srgbClr val="C7CCBE"/>
                       </a:solidFill>
                     </a:lnR>
-                    <a:lnT w="9523" algn="ctr">
+                    <a:lnT w="9522" algn="ctr">
                       <a:solidFill>
                         <a:srgbClr val="C7CCBE"/>
                       </a:solidFill>
                     </a:lnT>
-                    <a:lnB w="9523" algn="ctr">
+                    <a:lnB w="9522" algn="ctr">
                       <a:solidFill>
                         <a:srgbClr val="C7CCBE"/>
                       </a:solidFill>
@@ -6356,22 +7274,22 @@
                     </a:p>
                   </a:txBody>
                   <a:tcPr marL="27375" marR="27375" marT="27375" marB="27375">
-                    <a:lnL w="9523" algn="ctr">
+                    <a:lnL w="9522" algn="ctr">
                       <a:solidFill>
                         <a:srgbClr val="C7CCBE"/>
                       </a:solidFill>
                     </a:lnL>
-                    <a:lnR w="9523" algn="ctr">
+                    <a:lnR w="9522" algn="ctr">
                       <a:solidFill>
                         <a:srgbClr val="C7CCBE"/>
                       </a:solidFill>
                     </a:lnR>
-                    <a:lnT w="9523" algn="ctr">
+                    <a:lnT w="9522" algn="ctr">
                       <a:solidFill>
                         <a:srgbClr val="C7CCBE"/>
                       </a:solidFill>
                     </a:lnT>
-                    <a:lnB w="9523" algn="ctr">
+                    <a:lnB w="9522" algn="ctr">
                       <a:solidFill>
                         <a:srgbClr val="C7CCBE"/>
                       </a:solidFill>
@@ -6401,22 +7319,22 @@
                     </a:p>
                   </a:txBody>
                   <a:tcPr marL="27375" marR="27375" marT="27375" marB="27375">
-                    <a:lnL w="9523" algn="ctr">
+                    <a:lnL w="9522" algn="ctr">
                       <a:solidFill>
                         <a:srgbClr val="C7CCBE"/>
                       </a:solidFill>
                     </a:lnL>
-                    <a:lnR w="9523" algn="ctr">
+                    <a:lnR w="9522" algn="ctr">
                       <a:solidFill>
                         <a:srgbClr val="C7CCBE"/>
                       </a:solidFill>
                     </a:lnR>
-                    <a:lnT w="9523" algn="ctr">
+                    <a:lnT w="9522" algn="ctr">
                       <a:solidFill>
                         <a:srgbClr val="C7CCBE"/>
                       </a:solidFill>
                     </a:lnT>
-                    <a:lnB w="9523" algn="ctr">
+                    <a:lnB w="9522" algn="ctr">
                       <a:solidFill>
                         <a:srgbClr val="C7CCBE"/>
                       </a:solidFill>
@@ -6453,22 +7371,22 @@
                     </a:p>
                   </a:txBody>
                   <a:tcPr marL="27375" marR="27375" marT="27375" marB="27375">
-                    <a:lnL w="9523" algn="ctr">
+                    <a:lnL w="9522" algn="ctr">
                       <a:solidFill>
                         <a:srgbClr val="C7CCBE"/>
                       </a:solidFill>
                     </a:lnL>
-                    <a:lnR w="9523" algn="ctr">
+                    <a:lnR w="9522" algn="ctr">
                       <a:solidFill>
                         <a:srgbClr val="C7CCBE"/>
                       </a:solidFill>
                     </a:lnR>
-                    <a:lnT w="9523" algn="ctr">
+                    <a:lnT w="9522" algn="ctr">
                       <a:solidFill>
                         <a:srgbClr val="C7CCBE"/>
                       </a:solidFill>
                     </a:lnT>
-                    <a:lnB w="9523" algn="ctr">
+                    <a:lnB w="9522" algn="ctr">
                       <a:solidFill>
                         <a:srgbClr val="C7CCBE"/>
                       </a:solidFill>
@@ -6516,22 +7434,22 @@
                     </a:p>
                   </a:txBody>
                   <a:tcPr marL="27375" marR="27375" marT="27375" marB="27375">
-                    <a:lnL w="9523" algn="ctr">
+                    <a:lnL w="9522" algn="ctr">
                       <a:solidFill>
                         <a:srgbClr val="C7CCBE"/>
                       </a:solidFill>
                     </a:lnL>
-                    <a:lnR w="9523" algn="ctr">
+                    <a:lnR w="9522" algn="ctr">
                       <a:solidFill>
                         <a:srgbClr val="C7CCBE"/>
                       </a:solidFill>
                     </a:lnR>
-                    <a:lnT w="9523" algn="ctr">
+                    <a:lnT w="9522" algn="ctr">
                       <a:solidFill>
                         <a:srgbClr val="C7CCBE"/>
                       </a:solidFill>
                     </a:lnT>
-                    <a:lnB w="9523" algn="ctr">
+                    <a:lnB w="9522" algn="ctr">
                       <a:solidFill>
                         <a:srgbClr val="C7CCBE"/>
                       </a:solidFill>
@@ -6566,1505 +7484,7 @@
 </p:sld>
 </file>
 
-<file path=ppt/slides/slide11.xml><?xml version="1.0" encoding="utf-8"?>
-<p:sld xmlns:a="http://schemas.openxmlformats.org/drawingml/2006/main" xmlns:r="http://schemas.openxmlformats.org/officeDocument/2006/relationships" xmlns:p="http://schemas.openxmlformats.org/presentationml/2006/main" xmlns:m="http://schemas.openxmlformats.org/officeDocument/2006/math" xmlns:w="http://schemas.openxmlformats.org/wordprocessingml/2006/main" showMasterPhAnim="0" show="1">
-  <p:cSld name="">
-    <p:spTree>
-      <p:nvGrpSpPr>
-        <p:cNvPr id="1" name=""/>
-        <p:cNvGrpSpPr/>
-        <p:nvPr/>
-      </p:nvGrpSpPr>
-      <p:grpSpPr bwMode="auto">
-        <a:xfrm>
-          <a:off x="0" y="0"/>
-          <a:ext cx="0" cy="0"/>
-          <a:chOff x="0" y="0"/>
-          <a:chExt cx="0" cy="0"/>
-        </a:xfrm>
-      </p:grpSpPr>
-      <p:sp>
-        <p:nvSpPr>
-          <p:cNvPr id="68021611" name="Rectangle 3"/>
-          <p:cNvSpPr/>
-          <p:nvPr/>
-        </p:nvSpPr>
-        <p:spPr bwMode="auto">
-          <a:xfrm>
-            <a:off x="-77787" y="-609599"/>
-            <a:ext cx="12115800" cy="1303020"/>
-          </a:xfrm>
-          <a:prstGeom prst="rect">
-            <a:avLst/>
-          </a:prstGeom>
-        </p:spPr>
-        <p:txBody>
-          <a:bodyPr vert="horz" lIns="121897" tIns="60948" rIns="121897" bIns="60948" rtlCol="0" anchor="b">
-            <a:noAutofit/>
-          </a:bodyPr>
-          <a:lstStyle/>
-          <a:p>
-            <a:pPr>
-              <a:defRPr/>
-            </a:pPr>
-            <a:r>
-              <a:rPr lang="en-US" sz="4000" b="1"/>
-              <a:t>Wrapper class in JAVA</a:t>
-            </a:r>
-            <a:endParaRPr/>
-          </a:p>
-        </p:txBody>
-      </p:sp>
-      <p:sp>
-        <p:nvSpPr>
-          <p:cNvPr id="915787356" name="TextBox 4"/>
-          <p:cNvSpPr txBox="1"/>
-          <p:nvPr/>
-        </p:nvSpPr>
-        <p:spPr bwMode="auto">
-          <a:xfrm>
-            <a:off x="1065211" y="761999"/>
-            <a:ext cx="10896598" cy="707886"/>
-          </a:xfrm>
-          <a:prstGeom prst="rect">
-            <a:avLst/>
-          </a:prstGeom>
-          <a:noFill/>
-        </p:spPr>
-        <p:txBody>
-          <a:bodyPr wrap="square">
-            <a:spAutoFit/>
-          </a:bodyPr>
-          <a:lstStyle/>
-          <a:p>
-            <a:pPr>
-              <a:defRPr/>
-            </a:pPr>
-            <a:r>
-              <a:rPr lang="en-IN" sz="2000"/>
-              <a:t>The wrapper class in Java provides the mechanism to convert primitive into object and object into primitive.</a:t>
-            </a:r>
-            <a:endParaRPr/>
-          </a:p>
-        </p:txBody>
-      </p:sp>
-      <p:sp>
-        <p:nvSpPr>
-          <p:cNvPr id="747466324" name="TextBox 6"/>
-          <p:cNvSpPr txBox="1"/>
-          <p:nvPr/>
-        </p:nvSpPr>
-        <p:spPr bwMode="auto">
-          <a:xfrm>
-            <a:off x="231568" y="2666999"/>
-            <a:ext cx="11748318" cy="4093427"/>
-          </a:xfrm>
-          <a:prstGeom prst="rect">
-            <a:avLst/>
-          </a:prstGeom>
-          <a:noFill/>
-        </p:spPr>
-        <p:txBody>
-          <a:bodyPr wrap="square">
-            <a:spAutoFit/>
-          </a:bodyPr>
-          <a:lstStyle/>
-          <a:p>
-            <a:pPr>
-              <a:defRPr/>
-            </a:pPr>
-            <a:r>
-              <a:rPr lang="en-IN" sz="2000" b="1"/>
-              <a:t>Use of Wrapper classes in Java</a:t>
-            </a:r>
-            <a:endParaRPr/>
-          </a:p>
-          <a:p>
-            <a:pPr>
-              <a:defRPr/>
-            </a:pPr>
-            <a:r>
-              <a:rPr lang="en-IN" sz="2000"/>
-              <a:t>Java is an object-oriented programming language, so we need to deal with objects many times like in Collections, Serialization, Synchronization, etc. </a:t>
-            </a:r>
-            <a:endParaRPr/>
-          </a:p>
-          <a:p>
-            <a:pPr>
-              <a:defRPr/>
-            </a:pPr>
-            <a:endParaRPr lang="en-IN" sz="2000"/>
-          </a:p>
-          <a:p>
-            <a:pPr marL="342900" indent="-342900">
-              <a:buClr>
-                <a:schemeClr val="accent1"/>
-              </a:buClr>
-              <a:buFont typeface="Wingdings"/>
-              <a:buChar char="§"/>
-              <a:defRPr/>
-            </a:pPr>
-            <a:r>
-              <a:rPr lang="en-IN" sz="2000" b="1">
-                <a:solidFill>
-                  <a:schemeClr val="accent1"/>
-                </a:solidFill>
-              </a:rPr>
-              <a:t>Change the value in Method: </a:t>
-            </a:r>
-            <a:r>
-              <a:rPr lang="en-IN" sz="2000"/>
-              <a:t>Java supports only call by value. So, if we pass a primitive value, it will not change the original value. But, if we convert the primitive value in an object, it will change the original value.</a:t>
-            </a:r>
-            <a:endParaRPr/>
-          </a:p>
-          <a:p>
-            <a:pPr marL="342900" indent="-342900">
-              <a:buClr>
-                <a:schemeClr val="accent1"/>
-              </a:buClr>
-              <a:buFont typeface="Wingdings"/>
-              <a:buChar char="§"/>
-              <a:defRPr/>
-            </a:pPr>
-            <a:r>
-              <a:rPr lang="en-IN" sz="2000" b="1">
-                <a:solidFill>
-                  <a:schemeClr val="accent1"/>
-                </a:solidFill>
-              </a:rPr>
-              <a:t>Serialization: </a:t>
-            </a:r>
-            <a:r>
-              <a:rPr lang="en-IN" sz="2000"/>
-              <a:t>We need to convert the objects into streams to perform the serialization. If we have a primitive value, we can convert it in objects through the wrapper classes.</a:t>
-            </a:r>
-            <a:endParaRPr/>
-          </a:p>
-          <a:p>
-            <a:pPr marL="342900" indent="-342900">
-              <a:buClr>
-                <a:schemeClr val="accent1"/>
-              </a:buClr>
-              <a:buFont typeface="Wingdings"/>
-              <a:buChar char="§"/>
-              <a:defRPr/>
-            </a:pPr>
-            <a:r>
-              <a:rPr lang="en-IN" sz="2000" b="1">
-                <a:solidFill>
-                  <a:schemeClr val="accent1"/>
-                </a:solidFill>
-              </a:rPr>
-              <a:t>Synchronization: </a:t>
-            </a:r>
-            <a:r>
-              <a:rPr lang="en-IN" sz="2000"/>
-              <a:t>Java synchronization works with objects in Multithreading.</a:t>
-            </a:r>
-            <a:endParaRPr/>
-          </a:p>
-          <a:p>
-            <a:pPr marL="342900" indent="-342900">
-              <a:buClr>
-                <a:schemeClr val="accent1"/>
-              </a:buClr>
-              <a:buFont typeface="Wingdings"/>
-              <a:buChar char="§"/>
-              <a:defRPr/>
-            </a:pPr>
-            <a:r>
-              <a:rPr lang="en-IN" sz="2000" b="1">
-                <a:solidFill>
-                  <a:schemeClr val="accent1"/>
-                </a:solidFill>
-              </a:rPr>
-              <a:t>java.util</a:t>
-            </a:r>
-            <a:r>
-              <a:rPr lang="en-IN" sz="2000" b="1">
-                <a:solidFill>
-                  <a:schemeClr val="accent1"/>
-                </a:solidFill>
-              </a:rPr>
-              <a:t> package: </a:t>
-            </a:r>
-            <a:r>
-              <a:rPr lang="en-IN" sz="2000"/>
-              <a:t>The </a:t>
-            </a:r>
-            <a:r>
-              <a:rPr lang="en-IN" sz="2000"/>
-              <a:t>java.util</a:t>
-            </a:r>
-            <a:r>
-              <a:rPr lang="en-IN" sz="2000"/>
-              <a:t> package provides the utility classes to deal with objects.</a:t>
-            </a:r>
-            <a:endParaRPr/>
-          </a:p>
-          <a:p>
-            <a:pPr marL="342900" indent="-342900">
-              <a:buClr>
-                <a:schemeClr val="accent1"/>
-              </a:buClr>
-              <a:buFont typeface="Wingdings"/>
-              <a:buChar char="§"/>
-              <a:defRPr/>
-            </a:pPr>
-            <a:r>
-              <a:rPr lang="en-IN" sz="2000" b="1">
-                <a:solidFill>
-                  <a:schemeClr val="accent1"/>
-                </a:solidFill>
-              </a:rPr>
-              <a:t>Collection Framework: </a:t>
-            </a:r>
-            <a:r>
-              <a:rPr lang="en-IN" sz="2000"/>
-              <a:t>Java collection framework works with objects only. All classes of the collection framework deal with objects only.</a:t>
-            </a:r>
-            <a:endParaRPr/>
-          </a:p>
-        </p:txBody>
-      </p:sp>
-      <p:sp>
-        <p:nvSpPr>
-          <p:cNvPr id="1456319950" name="TextBox 8"/>
-          <p:cNvSpPr txBox="1"/>
-          <p:nvPr/>
-        </p:nvSpPr>
-        <p:spPr bwMode="auto">
-          <a:xfrm>
-            <a:off x="212774" y="1543158"/>
-            <a:ext cx="11748317" cy="1015662"/>
-          </a:xfrm>
-          <a:prstGeom prst="rect">
-            <a:avLst/>
-          </a:prstGeom>
-          <a:noFill/>
-        </p:spPr>
-        <p:txBody>
-          <a:bodyPr wrap="square">
-            <a:spAutoFit/>
-          </a:bodyPr>
-          <a:lstStyle/>
-          <a:p>
-            <a:pPr>
-              <a:defRPr/>
-            </a:pPr>
-            <a:r>
-              <a:rPr lang="en-IN" sz="2000"/>
-              <a:t>Since J2SE 5.0, autoboxing and unboxing feature convert primitives into objects </a:t>
-            </a:r>
-            <a:r>
-              <a:rPr lang="en-IN" sz="1800"/>
-              <a:t>and</a:t>
-            </a:r>
-            <a:r>
-              <a:rPr lang="en-IN" sz="2000"/>
-              <a:t> objects into primitives automatically. The automatic conversion of primitive into an object is known as autoboxing and vice-versa unboxing.</a:t>
-            </a:r>
-            <a:endParaRPr/>
-          </a:p>
-        </p:txBody>
-      </p:sp>
-    </p:spTree>
-  </p:cSld>
-  <p:clrMapOvr>
-    <a:masterClrMapping/>
-  </p:clrMapOvr>
-  <mc:AlternateContent xmlns:mc="http://schemas.openxmlformats.org/markup-compatibility/2006">
-    <mc:Choice xmlns:p14="http://schemas.microsoft.com/office/powerpoint/2010/main" Requires="p14">
-      <p:transition spd="med" p14:dur="700" advClick="1">
-        <p:fade thruBlk="0"/>
-      </p:transition>
-    </mc:Choice>
-    <mc:Fallback>
-      <p:transition spd="med" advClick="1">
-        <p:fade thruBlk="0"/>
-      </p:transition>
-    </mc:Fallback>
-  </mc:AlternateContent>
-</p:sld>
-</file>
-
-<file path=ppt/slides/slide12.xml><?xml version="1.0" encoding="utf-8"?>
-<p:sld xmlns:a="http://schemas.openxmlformats.org/drawingml/2006/main" xmlns:r="http://schemas.openxmlformats.org/officeDocument/2006/relationships" xmlns:p="http://schemas.openxmlformats.org/presentationml/2006/main" xmlns:m="http://schemas.openxmlformats.org/officeDocument/2006/math" xmlns:w="http://schemas.openxmlformats.org/wordprocessingml/2006/main" showMasterPhAnim="0" show="1">
-  <p:cSld name="">
-    <p:spTree>
-      <p:nvGrpSpPr>
-        <p:cNvPr id="1" name=""/>
-        <p:cNvGrpSpPr/>
-        <p:nvPr/>
-      </p:nvGrpSpPr>
-      <p:grpSpPr bwMode="auto">
-        <a:xfrm>
-          <a:off x="0" y="0"/>
-          <a:ext cx="0" cy="0"/>
-          <a:chOff x="0" y="0"/>
-          <a:chExt cx="0" cy="0"/>
-        </a:xfrm>
-      </p:grpSpPr>
-      <p:sp>
-        <p:nvSpPr>
-          <p:cNvPr id="947189467" name="Rectangle 3"/>
-          <p:cNvSpPr/>
-          <p:nvPr/>
-        </p:nvSpPr>
-        <p:spPr bwMode="auto">
-          <a:xfrm>
-            <a:off x="-77787" y="-609599"/>
-            <a:ext cx="12115800" cy="1303020"/>
-          </a:xfrm>
-          <a:prstGeom prst="rect">
-            <a:avLst/>
-          </a:prstGeom>
-        </p:spPr>
-        <p:txBody>
-          <a:bodyPr vert="horz" lIns="121897" tIns="60948" rIns="121897" bIns="60948" rtlCol="0" anchor="b">
-            <a:noAutofit/>
-          </a:bodyPr>
-          <a:lstStyle/>
-          <a:p>
-            <a:pPr>
-              <a:defRPr/>
-            </a:pPr>
-            <a:r>
-              <a:rPr lang="en-US" sz="4000" b="1"/>
-              <a:t>Wrapper class in JAVA</a:t>
-            </a:r>
-            <a:endParaRPr/>
-          </a:p>
-        </p:txBody>
-      </p:sp>
-      <p:sp>
-        <p:nvSpPr>
-          <p:cNvPr id="838540584" name="TextBox 2"/>
-          <p:cNvSpPr txBox="1"/>
-          <p:nvPr/>
-        </p:nvSpPr>
-        <p:spPr bwMode="auto">
-          <a:xfrm>
-            <a:off x="1370011" y="838199"/>
-            <a:ext cx="10439399" cy="830997"/>
-          </a:xfrm>
-          <a:prstGeom prst="rect">
-            <a:avLst/>
-          </a:prstGeom>
-          <a:noFill/>
-        </p:spPr>
-        <p:txBody>
-          <a:bodyPr wrap="square">
-            <a:spAutoFit/>
-          </a:bodyPr>
-          <a:lstStyle/>
-          <a:p>
-            <a:pPr>
-              <a:defRPr/>
-            </a:pPr>
-            <a:r>
-              <a:rPr lang="en-IN"/>
-              <a:t>The eight classes of the </a:t>
-            </a:r>
-            <a:r>
-              <a:rPr lang="en-IN"/>
-              <a:t>java.lang</a:t>
-            </a:r>
-            <a:r>
-              <a:rPr lang="en-IN"/>
-              <a:t> package are known as wrapper classes in Java. The list of eight wrapper classes are given below:</a:t>
-            </a:r>
-            <a:endParaRPr/>
-          </a:p>
-        </p:txBody>
-      </p:sp>
-      <p:graphicFrame>
-        <p:nvGraphicFramePr>
-          <p:cNvPr id="699618547" name="Table 5"/>
-          <p:cNvGraphicFramePr>
-            <a:graphicFrameLocks xmlns:a="http://schemas.openxmlformats.org/drawingml/2006/main"/>
-          </p:cNvGraphicFramePr>
-          <p:nvPr/>
-        </p:nvGraphicFramePr>
-        <p:xfrm>
-          <a:off x="377170" y="1813977"/>
-          <a:ext cx="6178997" cy="4688433"/>
-        </p:xfrm>
-        <a:graphic>
-          <a:graphicData uri="http://schemas.openxmlformats.org/drawingml/2006/table">
-            <a:tbl>
-              <a:tblPr firstRow="0" firstCol="0" lastRow="0" lastCol="0" bandRow="0" bandCol="0"/>
-              <a:tblGrid>
-                <a:gridCol w="3089498"/>
-                <a:gridCol w="3089498"/>
-              </a:tblGrid>
-              <a:tr h="573338">
-                <a:tc>
-                  <a:txBody>
-                    <a:bodyPr/>
-                    <a:p>
-                      <a:pPr algn="l">
-                        <a:defRPr/>
-                      </a:pPr>
-                      <a:r>
-                        <a:rPr lang="en-IN" sz="2400">
-                          <a:solidFill>
-                            <a:schemeClr val="bg1"/>
-                          </a:solidFill>
-                          <a:latin typeface="Constantia"/>
-                        </a:rPr>
-                        <a:t>Primitive Type</a:t>
-                      </a:r>
-                      <a:endParaRPr/>
-                    </a:p>
-                  </a:txBody>
-                  <a:tcPr marL="110256" marR="110256" marT="110256" marB="110256">
-                    <a:lnL w="9524" algn="ctr">
-                      <a:solidFill>
-                        <a:srgbClr val="087F5A"/>
-                      </a:solidFill>
-                    </a:lnL>
-                    <a:lnR w="9524" algn="ctr">
-                      <a:solidFill>
-                        <a:srgbClr val="087F5A"/>
-                      </a:solidFill>
-                    </a:lnR>
-                    <a:lnT w="9524" algn="ctr">
-                      <a:solidFill>
-                        <a:srgbClr val="087F5A"/>
-                      </a:solidFill>
-                    </a:lnT>
-                    <a:lnB w="9524" algn="ctr">
-                      <a:solidFill>
-                        <a:srgbClr val="C7CCBE"/>
-                      </a:solidFill>
-                    </a:lnB>
-                    <a:solidFill>
-                      <a:schemeClr val="accent2"/>
-                    </a:solidFill>
-                  </a:tcPr>
-                </a:tc>
-                <a:tc>
-                  <a:txBody>
-                    <a:bodyPr/>
-                    <a:p>
-                      <a:pPr algn="l">
-                        <a:defRPr/>
-                      </a:pPr>
-                      <a:r>
-                        <a:rPr lang="en-IN" sz="2400">
-                          <a:solidFill>
-                            <a:schemeClr val="bg1"/>
-                          </a:solidFill>
-                          <a:latin typeface="Constantia"/>
-                        </a:rPr>
-                        <a:t>Wrapper class</a:t>
-                      </a:r>
-                      <a:endParaRPr/>
-                    </a:p>
-                  </a:txBody>
-                  <a:tcPr marL="110256" marR="110256" marT="110256" marB="110256">
-                    <a:lnL w="9524" algn="ctr">
-                      <a:solidFill>
-                        <a:srgbClr val="087F5A"/>
-                      </a:solidFill>
-                    </a:lnL>
-                    <a:lnR w="9524" algn="ctr">
-                      <a:solidFill>
-                        <a:srgbClr val="087F5A"/>
-                      </a:solidFill>
-                    </a:lnR>
-                    <a:lnT w="9524" algn="ctr">
-                      <a:solidFill>
-                        <a:srgbClr val="087F5A"/>
-                      </a:solidFill>
-                    </a:lnT>
-                    <a:lnB w="9524" algn="ctr">
-                      <a:solidFill>
-                        <a:srgbClr val="C7CCBE"/>
-                      </a:solidFill>
-                    </a:lnB>
-                    <a:solidFill>
-                      <a:schemeClr val="accent2"/>
-                    </a:solidFill>
-                  </a:tcPr>
-                </a:tc>
-              </a:tr>
-              <a:tr h="499833">
-                <a:tc>
-                  <a:txBody>
-                    <a:bodyPr/>
-                    <a:p>
-                      <a:pPr algn="just">
-                        <a:defRPr/>
-                      </a:pPr>
-                      <a:r>
-                        <a:rPr lang="en-IN" sz="2400">
-                          <a:solidFill>
-                            <a:srgbClr val="333333"/>
-                          </a:solidFill>
-                          <a:latin typeface="Constantia"/>
-                        </a:rPr>
-                        <a:t>boolean</a:t>
-                      </a:r>
-                      <a:endParaRPr/>
-                    </a:p>
-                  </a:txBody>
-                  <a:tcPr marL="73504" marR="73504" marT="73504" marB="73504">
-                    <a:lnL w="9524" algn="ctr">
-                      <a:solidFill>
-                        <a:srgbClr val="C7CCBE"/>
-                      </a:solidFill>
-                    </a:lnL>
-                    <a:lnR w="9524" algn="ctr">
-                      <a:solidFill>
-                        <a:srgbClr val="C7CCBE"/>
-                      </a:solidFill>
-                    </a:lnR>
-                    <a:lnT w="9524" algn="ctr">
-                      <a:solidFill>
-                        <a:srgbClr val="C7CCBE"/>
-                      </a:solidFill>
-                    </a:lnT>
-                    <a:lnB w="9524" algn="ctr">
-                      <a:solidFill>
-                        <a:srgbClr val="C7CCBE"/>
-                      </a:solidFill>
-                    </a:lnB>
-                    <a:solidFill>
-                      <a:srgbClr val="FFFFFF"/>
-                    </a:solidFill>
-                  </a:tcPr>
-                </a:tc>
-                <a:tc>
-                  <a:txBody>
-                    <a:bodyPr/>
-                    <a:p>
-                      <a:pPr algn="just">
-                        <a:defRPr/>
-                      </a:pPr>
-                      <a:r>
-                        <a:rPr lang="en-IN" sz="2400" u="none" strike="noStrike">
-                          <a:solidFill>
-                            <a:srgbClr val="008000"/>
-                          </a:solidFill>
-                          <a:latin typeface="Constantia"/>
-                        </a:rPr>
-                        <a:t>Boolean</a:t>
-                      </a:r>
-                      <a:endParaRPr lang="en-IN" sz="2400">
-                        <a:solidFill>
-                          <a:srgbClr val="333333"/>
-                        </a:solidFill>
-                        <a:latin typeface="Constantia"/>
-                      </a:endParaRPr>
-                    </a:p>
-                  </a:txBody>
-                  <a:tcPr marL="73504" marR="73504" marT="73504" marB="73504">
-                    <a:lnL w="9524" algn="ctr">
-                      <a:solidFill>
-                        <a:srgbClr val="C7CCBE"/>
-                      </a:solidFill>
-                    </a:lnL>
-                    <a:lnR w="9524" algn="ctr">
-                      <a:solidFill>
-                        <a:srgbClr val="C7CCBE"/>
-                      </a:solidFill>
-                    </a:lnR>
-                    <a:lnT w="9524" algn="ctr">
-                      <a:solidFill>
-                        <a:srgbClr val="C7CCBE"/>
-                      </a:solidFill>
-                    </a:lnT>
-                    <a:lnB w="9524" algn="ctr">
-                      <a:solidFill>
-                        <a:srgbClr val="C7CCBE"/>
-                      </a:solidFill>
-                    </a:lnB>
-                    <a:solidFill>
-                      <a:srgbClr val="FFFFFF"/>
-                    </a:solidFill>
-                  </a:tcPr>
-                </a:tc>
-              </a:tr>
-              <a:tr h="499833">
-                <a:tc>
-                  <a:txBody>
-                    <a:bodyPr/>
-                    <a:p>
-                      <a:pPr algn="just">
-                        <a:defRPr/>
-                      </a:pPr>
-                      <a:r>
-                        <a:rPr lang="en-IN" sz="2400">
-                          <a:solidFill>
-                            <a:srgbClr val="333333"/>
-                          </a:solidFill>
-                          <a:latin typeface="Constantia"/>
-                        </a:rPr>
-                        <a:t>char</a:t>
-                      </a:r>
-                      <a:endParaRPr/>
-                    </a:p>
-                  </a:txBody>
-                  <a:tcPr marL="73504" marR="73504" marT="73504" marB="73504">
-                    <a:lnL w="9524" algn="ctr">
-                      <a:solidFill>
-                        <a:srgbClr val="C7CCBE"/>
-                      </a:solidFill>
-                    </a:lnL>
-                    <a:lnR w="9524" algn="ctr">
-                      <a:solidFill>
-                        <a:srgbClr val="C7CCBE"/>
-                      </a:solidFill>
-                    </a:lnR>
-                    <a:lnT w="9524" algn="ctr">
-                      <a:solidFill>
-                        <a:srgbClr val="C7CCBE"/>
-                      </a:solidFill>
-                    </a:lnT>
-                    <a:lnB w="9524" algn="ctr">
-                      <a:solidFill>
-                        <a:srgbClr val="C7CCBE"/>
-                      </a:solidFill>
-                    </a:lnB>
-                    <a:solidFill>
-                      <a:srgbClr val="EFF1EB"/>
-                    </a:solidFill>
-                  </a:tcPr>
-                </a:tc>
-                <a:tc>
-                  <a:txBody>
-                    <a:bodyPr/>
-                    <a:p>
-                      <a:pPr algn="just">
-                        <a:defRPr/>
-                      </a:pPr>
-                      <a:r>
-                        <a:rPr lang="en-IN" sz="2400" u="none" strike="noStrike">
-                          <a:solidFill>
-                            <a:srgbClr val="008000"/>
-                          </a:solidFill>
-                          <a:latin typeface="Constantia"/>
-                        </a:rPr>
-                        <a:t>Character</a:t>
-                      </a:r>
-                      <a:endParaRPr lang="en-IN" sz="2400">
-                        <a:solidFill>
-                          <a:srgbClr val="333333"/>
-                        </a:solidFill>
-                        <a:latin typeface="Constantia"/>
-                      </a:endParaRPr>
-                    </a:p>
-                  </a:txBody>
-                  <a:tcPr marL="73504" marR="73504" marT="73504" marB="73504">
-                    <a:lnL w="9524" algn="ctr">
-                      <a:solidFill>
-                        <a:srgbClr val="C7CCBE"/>
-                      </a:solidFill>
-                    </a:lnL>
-                    <a:lnR w="9524" algn="ctr">
-                      <a:solidFill>
-                        <a:srgbClr val="C7CCBE"/>
-                      </a:solidFill>
-                    </a:lnR>
-                    <a:lnT w="9524" algn="ctr">
-                      <a:solidFill>
-                        <a:srgbClr val="C7CCBE"/>
-                      </a:solidFill>
-                    </a:lnT>
-                    <a:lnB w="9524" algn="ctr">
-                      <a:solidFill>
-                        <a:srgbClr val="C7CCBE"/>
-                      </a:solidFill>
-                    </a:lnB>
-                    <a:solidFill>
-                      <a:srgbClr val="EFF1EB"/>
-                    </a:solidFill>
-                  </a:tcPr>
-                </a:tc>
-              </a:tr>
-              <a:tr h="499833">
-                <a:tc>
-                  <a:txBody>
-                    <a:bodyPr/>
-                    <a:p>
-                      <a:pPr algn="just">
-                        <a:defRPr/>
-                      </a:pPr>
-                      <a:r>
-                        <a:rPr lang="en-IN" sz="2400">
-                          <a:solidFill>
-                            <a:srgbClr val="333333"/>
-                          </a:solidFill>
-                          <a:latin typeface="Constantia"/>
-                        </a:rPr>
-                        <a:t>byte</a:t>
-                      </a:r>
-                      <a:endParaRPr/>
-                    </a:p>
-                  </a:txBody>
-                  <a:tcPr marL="73504" marR="73504" marT="73504" marB="73504">
-                    <a:lnL w="9524" algn="ctr">
-                      <a:solidFill>
-                        <a:srgbClr val="C7CCBE"/>
-                      </a:solidFill>
-                    </a:lnL>
-                    <a:lnR w="9524" algn="ctr">
-                      <a:solidFill>
-                        <a:srgbClr val="C7CCBE"/>
-                      </a:solidFill>
-                    </a:lnR>
-                    <a:lnT w="9524" algn="ctr">
-                      <a:solidFill>
-                        <a:srgbClr val="C7CCBE"/>
-                      </a:solidFill>
-                    </a:lnT>
-                    <a:lnB w="9524" algn="ctr">
-                      <a:solidFill>
-                        <a:srgbClr val="C7CCBE"/>
-                      </a:solidFill>
-                    </a:lnB>
-                    <a:solidFill>
-                      <a:srgbClr val="FFFFFF"/>
-                    </a:solidFill>
-                  </a:tcPr>
-                </a:tc>
-                <a:tc>
-                  <a:txBody>
-                    <a:bodyPr/>
-                    <a:p>
-                      <a:pPr algn="just">
-                        <a:defRPr/>
-                      </a:pPr>
-                      <a:r>
-                        <a:rPr lang="en-IN" sz="2400" u="none" strike="noStrike">
-                          <a:solidFill>
-                            <a:srgbClr val="008000"/>
-                          </a:solidFill>
-                          <a:latin typeface="Constantia"/>
-                        </a:rPr>
-                        <a:t>Byte</a:t>
-                      </a:r>
-                      <a:endParaRPr lang="en-IN" sz="2400">
-                        <a:solidFill>
-                          <a:srgbClr val="333333"/>
-                        </a:solidFill>
-                        <a:latin typeface="Constantia"/>
-                      </a:endParaRPr>
-                    </a:p>
-                  </a:txBody>
-                  <a:tcPr marL="73504" marR="73504" marT="73504" marB="73504">
-                    <a:lnL w="9524" algn="ctr">
-                      <a:solidFill>
-                        <a:srgbClr val="C7CCBE"/>
-                      </a:solidFill>
-                    </a:lnL>
-                    <a:lnR w="9524" algn="ctr">
-                      <a:solidFill>
-                        <a:srgbClr val="C7CCBE"/>
-                      </a:solidFill>
-                    </a:lnR>
-                    <a:lnT w="9524" algn="ctr">
-                      <a:solidFill>
-                        <a:srgbClr val="C7CCBE"/>
-                      </a:solidFill>
-                    </a:lnT>
-                    <a:lnB w="9524" algn="ctr">
-                      <a:solidFill>
-                        <a:srgbClr val="C7CCBE"/>
-                      </a:solidFill>
-                    </a:lnB>
-                    <a:solidFill>
-                      <a:srgbClr val="FFFFFF"/>
-                    </a:solidFill>
-                  </a:tcPr>
-                </a:tc>
-              </a:tr>
-              <a:tr h="499833">
-                <a:tc>
-                  <a:txBody>
-                    <a:bodyPr/>
-                    <a:p>
-                      <a:pPr algn="just">
-                        <a:defRPr/>
-                      </a:pPr>
-                      <a:r>
-                        <a:rPr lang="en-IN" sz="2400">
-                          <a:solidFill>
-                            <a:srgbClr val="333333"/>
-                          </a:solidFill>
-                          <a:latin typeface="Constantia"/>
-                        </a:rPr>
-                        <a:t>short</a:t>
-                      </a:r>
-                      <a:endParaRPr/>
-                    </a:p>
-                  </a:txBody>
-                  <a:tcPr marL="73504" marR="73504" marT="73504" marB="73504">
-                    <a:lnL w="9524" algn="ctr">
-                      <a:solidFill>
-                        <a:srgbClr val="C7CCBE"/>
-                      </a:solidFill>
-                    </a:lnL>
-                    <a:lnR w="9524" algn="ctr">
-                      <a:solidFill>
-                        <a:srgbClr val="C7CCBE"/>
-                      </a:solidFill>
-                    </a:lnR>
-                    <a:lnT w="9524" algn="ctr">
-                      <a:solidFill>
-                        <a:srgbClr val="C7CCBE"/>
-                      </a:solidFill>
-                    </a:lnT>
-                    <a:lnB w="9524" algn="ctr">
-                      <a:solidFill>
-                        <a:srgbClr val="C7CCBE"/>
-                      </a:solidFill>
-                    </a:lnB>
-                    <a:solidFill>
-                      <a:srgbClr val="EFF1EB"/>
-                    </a:solidFill>
-                  </a:tcPr>
-                </a:tc>
-                <a:tc>
-                  <a:txBody>
-                    <a:bodyPr/>
-                    <a:p>
-                      <a:pPr algn="just">
-                        <a:defRPr/>
-                      </a:pPr>
-                      <a:r>
-                        <a:rPr lang="en-IN" sz="2400" u="none" strike="noStrike">
-                          <a:solidFill>
-                            <a:srgbClr val="008000"/>
-                          </a:solidFill>
-                          <a:latin typeface="Constantia"/>
-                        </a:rPr>
-                        <a:t>Short</a:t>
-                      </a:r>
-                      <a:endParaRPr lang="en-IN" sz="2400">
-                        <a:solidFill>
-                          <a:srgbClr val="333333"/>
-                        </a:solidFill>
-                        <a:latin typeface="Constantia"/>
-                      </a:endParaRPr>
-                    </a:p>
-                  </a:txBody>
-                  <a:tcPr marL="73504" marR="73504" marT="73504" marB="73504">
-                    <a:lnL w="9524" algn="ctr">
-                      <a:solidFill>
-                        <a:srgbClr val="C7CCBE"/>
-                      </a:solidFill>
-                    </a:lnL>
-                    <a:lnR w="9524" algn="ctr">
-                      <a:solidFill>
-                        <a:srgbClr val="C7CCBE"/>
-                      </a:solidFill>
-                    </a:lnR>
-                    <a:lnT w="9524" algn="ctr">
-                      <a:solidFill>
-                        <a:srgbClr val="C7CCBE"/>
-                      </a:solidFill>
-                    </a:lnT>
-                    <a:lnB w="9524" algn="ctr">
-                      <a:solidFill>
-                        <a:srgbClr val="C7CCBE"/>
-                      </a:solidFill>
-                    </a:lnB>
-                    <a:solidFill>
-                      <a:srgbClr val="EFF1EB"/>
-                    </a:solidFill>
-                  </a:tcPr>
-                </a:tc>
-              </a:tr>
-              <a:tr h="499833">
-                <a:tc>
-                  <a:txBody>
-                    <a:bodyPr/>
-                    <a:p>
-                      <a:pPr algn="just">
-                        <a:defRPr/>
-                      </a:pPr>
-                      <a:r>
-                        <a:rPr lang="en-IN" sz="2400">
-                          <a:solidFill>
-                            <a:srgbClr val="333333"/>
-                          </a:solidFill>
-                          <a:latin typeface="Constantia"/>
-                        </a:rPr>
-                        <a:t>int</a:t>
-                      </a:r>
-                      <a:endParaRPr/>
-                    </a:p>
-                  </a:txBody>
-                  <a:tcPr marL="73504" marR="73504" marT="73504" marB="73504">
-                    <a:lnL w="9524" algn="ctr">
-                      <a:solidFill>
-                        <a:srgbClr val="C7CCBE"/>
-                      </a:solidFill>
-                    </a:lnL>
-                    <a:lnR w="9524" algn="ctr">
-                      <a:solidFill>
-                        <a:srgbClr val="C7CCBE"/>
-                      </a:solidFill>
-                    </a:lnR>
-                    <a:lnT w="9524" algn="ctr">
-                      <a:solidFill>
-                        <a:srgbClr val="C7CCBE"/>
-                      </a:solidFill>
-                    </a:lnT>
-                    <a:lnB w="9524" algn="ctr">
-                      <a:solidFill>
-                        <a:srgbClr val="C7CCBE"/>
-                      </a:solidFill>
-                    </a:lnB>
-                    <a:solidFill>
-                      <a:srgbClr val="FFFFFF"/>
-                    </a:solidFill>
-                  </a:tcPr>
-                </a:tc>
-                <a:tc>
-                  <a:txBody>
-                    <a:bodyPr/>
-                    <a:p>
-                      <a:pPr algn="just">
-                        <a:defRPr/>
-                      </a:pPr>
-                      <a:r>
-                        <a:rPr lang="en-IN" sz="2400" u="none" strike="noStrike">
-                          <a:solidFill>
-                            <a:srgbClr val="008000"/>
-                          </a:solidFill>
-                          <a:latin typeface="Constantia"/>
-                        </a:rPr>
-                        <a:t>Integer</a:t>
-                      </a:r>
-                      <a:endParaRPr lang="en-IN" sz="2400">
-                        <a:solidFill>
-                          <a:srgbClr val="333333"/>
-                        </a:solidFill>
-                        <a:latin typeface="Constantia"/>
-                      </a:endParaRPr>
-                    </a:p>
-                  </a:txBody>
-                  <a:tcPr marL="73504" marR="73504" marT="73504" marB="73504">
-                    <a:lnL w="9524" algn="ctr">
-                      <a:solidFill>
-                        <a:srgbClr val="C7CCBE"/>
-                      </a:solidFill>
-                    </a:lnL>
-                    <a:lnR w="9524" algn="ctr">
-                      <a:solidFill>
-                        <a:srgbClr val="C7CCBE"/>
-                      </a:solidFill>
-                    </a:lnR>
-                    <a:lnT w="9524" algn="ctr">
-                      <a:solidFill>
-                        <a:srgbClr val="C7CCBE"/>
-                      </a:solidFill>
-                    </a:lnT>
-                    <a:lnB w="9524" algn="ctr">
-                      <a:solidFill>
-                        <a:srgbClr val="C7CCBE"/>
-                      </a:solidFill>
-                    </a:lnB>
-                    <a:solidFill>
-                      <a:srgbClr val="FFFFFF"/>
-                    </a:solidFill>
-                  </a:tcPr>
-                </a:tc>
-              </a:tr>
-              <a:tr h="499833">
-                <a:tc>
-                  <a:txBody>
-                    <a:bodyPr/>
-                    <a:p>
-                      <a:pPr algn="just">
-                        <a:defRPr/>
-                      </a:pPr>
-                      <a:r>
-                        <a:rPr lang="en-IN" sz="2400">
-                          <a:solidFill>
-                            <a:srgbClr val="333333"/>
-                          </a:solidFill>
-                          <a:latin typeface="Constantia"/>
-                        </a:rPr>
-                        <a:t>long</a:t>
-                      </a:r>
-                      <a:endParaRPr/>
-                    </a:p>
-                  </a:txBody>
-                  <a:tcPr marL="73504" marR="73504" marT="73504" marB="73504">
-                    <a:lnL w="9524" algn="ctr">
-                      <a:solidFill>
-                        <a:srgbClr val="C7CCBE"/>
-                      </a:solidFill>
-                    </a:lnL>
-                    <a:lnR w="9524" algn="ctr">
-                      <a:solidFill>
-                        <a:srgbClr val="C7CCBE"/>
-                      </a:solidFill>
-                    </a:lnR>
-                    <a:lnT w="9524" algn="ctr">
-                      <a:solidFill>
-                        <a:srgbClr val="C7CCBE"/>
-                      </a:solidFill>
-                    </a:lnT>
-                    <a:lnB w="9524" algn="ctr">
-                      <a:solidFill>
-                        <a:srgbClr val="C7CCBE"/>
-                      </a:solidFill>
-                    </a:lnB>
-                    <a:solidFill>
-                      <a:srgbClr val="EFF1EB"/>
-                    </a:solidFill>
-                  </a:tcPr>
-                </a:tc>
-                <a:tc>
-                  <a:txBody>
-                    <a:bodyPr/>
-                    <a:p>
-                      <a:pPr algn="just">
-                        <a:defRPr/>
-                      </a:pPr>
-                      <a:r>
-                        <a:rPr lang="en-IN" sz="2400" u="none" strike="noStrike">
-                          <a:solidFill>
-                            <a:srgbClr val="008000"/>
-                          </a:solidFill>
-                          <a:latin typeface="Constantia"/>
-                        </a:rPr>
-                        <a:t>Long</a:t>
-                      </a:r>
-                      <a:endParaRPr lang="en-IN" sz="2400">
-                        <a:solidFill>
-                          <a:srgbClr val="333333"/>
-                        </a:solidFill>
-                        <a:latin typeface="Constantia"/>
-                      </a:endParaRPr>
-                    </a:p>
-                  </a:txBody>
-                  <a:tcPr marL="73504" marR="73504" marT="73504" marB="73504">
-                    <a:lnL w="9524" algn="ctr">
-                      <a:solidFill>
-                        <a:srgbClr val="C7CCBE"/>
-                      </a:solidFill>
-                    </a:lnL>
-                    <a:lnR w="9524" algn="ctr">
-                      <a:solidFill>
-                        <a:srgbClr val="C7CCBE"/>
-                      </a:solidFill>
-                    </a:lnR>
-                    <a:lnT w="9524" algn="ctr">
-                      <a:solidFill>
-                        <a:srgbClr val="C7CCBE"/>
-                      </a:solidFill>
-                    </a:lnT>
-                    <a:lnB w="9524" algn="ctr">
-                      <a:solidFill>
-                        <a:srgbClr val="C7CCBE"/>
-                      </a:solidFill>
-                    </a:lnB>
-                    <a:solidFill>
-                      <a:srgbClr val="EFF1EB"/>
-                    </a:solidFill>
-                  </a:tcPr>
-                </a:tc>
-              </a:tr>
-              <a:tr h="499833">
-                <a:tc>
-                  <a:txBody>
-                    <a:bodyPr/>
-                    <a:p>
-                      <a:pPr algn="just">
-                        <a:defRPr/>
-                      </a:pPr>
-                      <a:r>
-                        <a:rPr lang="en-IN" sz="2400">
-                          <a:solidFill>
-                            <a:srgbClr val="333333"/>
-                          </a:solidFill>
-                          <a:latin typeface="Constantia"/>
-                        </a:rPr>
-                        <a:t>float</a:t>
-                      </a:r>
-                      <a:endParaRPr/>
-                    </a:p>
-                  </a:txBody>
-                  <a:tcPr marL="73504" marR="73504" marT="73504" marB="73504">
-                    <a:lnL w="9524" algn="ctr">
-                      <a:solidFill>
-                        <a:srgbClr val="C7CCBE"/>
-                      </a:solidFill>
-                    </a:lnL>
-                    <a:lnR w="9524" algn="ctr">
-                      <a:solidFill>
-                        <a:srgbClr val="C7CCBE"/>
-                      </a:solidFill>
-                    </a:lnR>
-                    <a:lnT w="9524" algn="ctr">
-                      <a:solidFill>
-                        <a:srgbClr val="C7CCBE"/>
-                      </a:solidFill>
-                    </a:lnT>
-                    <a:lnB w="9524" algn="ctr">
-                      <a:solidFill>
-                        <a:srgbClr val="C7CCBE"/>
-                      </a:solidFill>
-                    </a:lnB>
-                    <a:solidFill>
-                      <a:srgbClr val="FFFFFF"/>
-                    </a:solidFill>
-                  </a:tcPr>
-                </a:tc>
-                <a:tc>
-                  <a:txBody>
-                    <a:bodyPr/>
-                    <a:p>
-                      <a:pPr algn="just">
-                        <a:defRPr/>
-                      </a:pPr>
-                      <a:r>
-                        <a:rPr lang="en-IN" sz="2400" u="none" strike="noStrike">
-                          <a:solidFill>
-                            <a:srgbClr val="008000"/>
-                          </a:solidFill>
-                          <a:latin typeface="Constantia"/>
-                        </a:rPr>
-                        <a:t>Float</a:t>
-                      </a:r>
-                      <a:endParaRPr lang="en-IN" sz="2400">
-                        <a:solidFill>
-                          <a:srgbClr val="333333"/>
-                        </a:solidFill>
-                        <a:latin typeface="Constantia"/>
-                      </a:endParaRPr>
-                    </a:p>
-                  </a:txBody>
-                  <a:tcPr marL="73504" marR="73504" marT="73504" marB="73504">
-                    <a:lnL w="9524" algn="ctr">
-                      <a:solidFill>
-                        <a:srgbClr val="C7CCBE"/>
-                      </a:solidFill>
-                    </a:lnL>
-                    <a:lnR w="9524" algn="ctr">
-                      <a:solidFill>
-                        <a:srgbClr val="C7CCBE"/>
-                      </a:solidFill>
-                    </a:lnR>
-                    <a:lnT w="9524" algn="ctr">
-                      <a:solidFill>
-                        <a:srgbClr val="C7CCBE"/>
-                      </a:solidFill>
-                    </a:lnT>
-                    <a:lnB w="9524" algn="ctr">
-                      <a:solidFill>
-                        <a:srgbClr val="C7CCBE"/>
-                      </a:solidFill>
-                    </a:lnB>
-                    <a:solidFill>
-                      <a:srgbClr val="FFFFFF"/>
-                    </a:solidFill>
-                  </a:tcPr>
-                </a:tc>
-              </a:tr>
-              <a:tr h="499833">
-                <a:tc>
-                  <a:txBody>
-                    <a:bodyPr/>
-                    <a:p>
-                      <a:pPr algn="just">
-                        <a:defRPr/>
-                      </a:pPr>
-                      <a:r>
-                        <a:rPr lang="en-IN" sz="2400">
-                          <a:solidFill>
-                            <a:srgbClr val="333333"/>
-                          </a:solidFill>
-                          <a:latin typeface="Constantia"/>
-                        </a:rPr>
-                        <a:t>double</a:t>
-                      </a:r>
-                      <a:endParaRPr/>
-                    </a:p>
-                  </a:txBody>
-                  <a:tcPr marL="73504" marR="73504" marT="73504" marB="73504">
-                    <a:lnL w="9524" algn="ctr">
-                      <a:solidFill>
-                        <a:srgbClr val="C7CCBE"/>
-                      </a:solidFill>
-                    </a:lnL>
-                    <a:lnR w="9524" algn="ctr">
-                      <a:solidFill>
-                        <a:srgbClr val="C7CCBE"/>
-                      </a:solidFill>
-                    </a:lnR>
-                    <a:lnT w="9524" algn="ctr">
-                      <a:solidFill>
-                        <a:srgbClr val="C7CCBE"/>
-                      </a:solidFill>
-                    </a:lnT>
-                    <a:lnB w="9524" algn="ctr">
-                      <a:solidFill>
-                        <a:srgbClr val="C7CCBE"/>
-                      </a:solidFill>
-                    </a:lnB>
-                    <a:solidFill>
-                      <a:srgbClr val="EFF1EB"/>
-                    </a:solidFill>
-                  </a:tcPr>
-                </a:tc>
-                <a:tc>
-                  <a:txBody>
-                    <a:bodyPr/>
-                    <a:p>
-                      <a:pPr algn="just">
-                        <a:defRPr/>
-                      </a:pPr>
-                      <a:r>
-                        <a:rPr lang="en-IN" sz="2400" u="none" strike="noStrike">
-                          <a:solidFill>
-                            <a:srgbClr val="008000"/>
-                          </a:solidFill>
-                          <a:latin typeface="Constantia"/>
-                        </a:rPr>
-                        <a:t>Double</a:t>
-                      </a:r>
-                      <a:endParaRPr lang="en-IN" sz="2400">
-                        <a:solidFill>
-                          <a:srgbClr val="333333"/>
-                        </a:solidFill>
-                        <a:latin typeface="Constantia"/>
-                      </a:endParaRPr>
-                    </a:p>
-                  </a:txBody>
-                  <a:tcPr marL="73504" marR="73504" marT="73504" marB="73504">
-                    <a:lnL w="9524" algn="ctr">
-                      <a:solidFill>
-                        <a:srgbClr val="C7CCBE"/>
-                      </a:solidFill>
-                    </a:lnL>
-                    <a:lnR w="9524" algn="ctr">
-                      <a:solidFill>
-                        <a:srgbClr val="C7CCBE"/>
-                      </a:solidFill>
-                    </a:lnR>
-                    <a:lnT w="9524" algn="ctr">
-                      <a:solidFill>
-                        <a:srgbClr val="C7CCBE"/>
-                      </a:solidFill>
-                    </a:lnT>
-                    <a:lnB w="9524" algn="ctr">
-                      <a:solidFill>
-                        <a:srgbClr val="C7CCBE"/>
-                      </a:solidFill>
-                    </a:lnB>
-                    <a:solidFill>
-                      <a:srgbClr val="EFF1EB"/>
-                    </a:solidFill>
-                  </a:tcPr>
-                </a:tc>
-              </a:tr>
-            </a:tbl>
-          </a:graphicData>
-        </a:graphic>
-      </p:graphicFrame>
-      <p:sp>
-        <p:nvSpPr>
-          <p:cNvPr id="698594698" name="TextBox 7"/>
-          <p:cNvSpPr txBox="1"/>
-          <p:nvPr/>
-        </p:nvSpPr>
-        <p:spPr bwMode="auto">
-          <a:xfrm>
-            <a:off x="7008811" y="2286000"/>
-            <a:ext cx="4495799" cy="3416319"/>
-          </a:xfrm>
-          <a:prstGeom prst="rect">
-            <a:avLst/>
-          </a:prstGeom>
-          <a:noFill/>
-        </p:spPr>
-        <p:txBody>
-          <a:bodyPr wrap="square" rtlCol="0">
-            <a:spAutoFit/>
-          </a:bodyPr>
-          <a:lstStyle/>
-          <a:p>
-            <a:pPr>
-              <a:defRPr/>
-            </a:pPr>
-            <a:r>
-              <a:rPr lang="en-GB"/>
-              <a:t>// Autoboxing- primitive to Character object conversion</a:t>
-            </a:r>
-            <a:endParaRPr/>
-          </a:p>
-          <a:p>
-            <a:pPr>
-              <a:defRPr/>
-            </a:pPr>
-            <a:r>
-              <a:rPr lang="en-GB">
-                <a:solidFill>
-                  <a:schemeClr val="accent1"/>
-                </a:solidFill>
-              </a:rPr>
-              <a:t>char </a:t>
-            </a:r>
-            <a:r>
-              <a:rPr lang="en-GB">
-                <a:solidFill>
-                  <a:schemeClr val="accent1"/>
-                </a:solidFill>
-              </a:rPr>
-              <a:t>ch</a:t>
-            </a:r>
-            <a:r>
-              <a:rPr lang="en-GB">
-                <a:solidFill>
-                  <a:schemeClr val="accent1"/>
-                </a:solidFill>
-              </a:rPr>
-              <a:t> = 'a';</a:t>
-            </a:r>
-            <a:endParaRPr/>
-          </a:p>
-          <a:p>
-            <a:pPr>
-              <a:defRPr/>
-            </a:pPr>
-            <a:r>
-              <a:rPr lang="en-GB">
-                <a:solidFill>
-                  <a:schemeClr val="accent1"/>
-                </a:solidFill>
-              </a:rPr>
-              <a:t>Character a = </a:t>
-            </a:r>
-            <a:r>
-              <a:rPr lang="en-GB">
-                <a:solidFill>
-                  <a:schemeClr val="accent1"/>
-                </a:solidFill>
-              </a:rPr>
-              <a:t>ch</a:t>
-            </a:r>
-            <a:r>
-              <a:rPr lang="en-GB">
-                <a:solidFill>
-                  <a:schemeClr val="accent1"/>
-                </a:solidFill>
-              </a:rPr>
-              <a:t>;</a:t>
-            </a:r>
-            <a:endParaRPr/>
-          </a:p>
-          <a:p>
-            <a:pPr>
-              <a:defRPr/>
-            </a:pPr>
-            <a:endParaRPr lang="en-GB"/>
-          </a:p>
-          <a:p>
-            <a:pPr>
-              <a:defRPr/>
-            </a:pPr>
-            <a:r>
-              <a:rPr lang="en-GB"/>
-              <a:t>// unboxing - Character object to primitive conversion</a:t>
-            </a:r>
-            <a:endParaRPr/>
-          </a:p>
-          <a:p>
-            <a:pPr>
-              <a:defRPr/>
-            </a:pPr>
-            <a:r>
-              <a:rPr lang="en-GB">
-                <a:solidFill>
-                  <a:schemeClr val="accent1"/>
-                </a:solidFill>
-              </a:rPr>
-              <a:t>Character </a:t>
-            </a:r>
-            <a:r>
-              <a:rPr lang="en-GB">
-                <a:solidFill>
-                  <a:schemeClr val="accent1"/>
-                </a:solidFill>
-              </a:rPr>
-              <a:t>ch</a:t>
-            </a:r>
-            <a:r>
-              <a:rPr lang="en-GB">
-                <a:solidFill>
-                  <a:schemeClr val="accent1"/>
-                </a:solidFill>
-              </a:rPr>
-              <a:t> = 'a';</a:t>
-            </a:r>
-            <a:endParaRPr/>
-          </a:p>
-          <a:p>
-            <a:pPr>
-              <a:defRPr/>
-            </a:pPr>
-            <a:r>
-              <a:rPr lang="en-GB">
-                <a:solidFill>
-                  <a:schemeClr val="accent1"/>
-                </a:solidFill>
-              </a:rPr>
-              <a:t>char a = </a:t>
-            </a:r>
-            <a:r>
-              <a:rPr lang="en-GB">
-                <a:solidFill>
-                  <a:schemeClr val="accent1"/>
-                </a:solidFill>
-              </a:rPr>
-              <a:t>ch</a:t>
-            </a:r>
-            <a:r>
-              <a:rPr lang="en-GB">
-                <a:solidFill>
-                  <a:schemeClr val="accent1"/>
-                </a:solidFill>
-              </a:rPr>
-              <a:t>;</a:t>
-            </a:r>
-            <a:endParaRPr lang="en-IN">
-              <a:solidFill>
-                <a:schemeClr val="accent1"/>
-              </a:solidFill>
-            </a:endParaRPr>
-          </a:p>
-        </p:txBody>
-      </p:sp>
-    </p:spTree>
-  </p:cSld>
-  <p:clrMapOvr>
-    <a:masterClrMapping/>
-  </p:clrMapOvr>
-  <mc:AlternateContent xmlns:mc="http://schemas.openxmlformats.org/markup-compatibility/2006">
-    <mc:Choice xmlns:p14="http://schemas.microsoft.com/office/powerpoint/2010/main" Requires="p14">
-      <p:transition spd="med" p14:dur="700" advClick="1">
-        <p:fade thruBlk="0"/>
-      </p:transition>
-    </mc:Choice>
-    <mc:Fallback>
-      <p:transition spd="med" advClick="1">
-        <p:fade thruBlk="0"/>
-      </p:transition>
-    </mc:Fallback>
-  </mc:AlternateContent>
-</p:sld>
-</file>
-
-<file path=ppt/slides/slide13.xml><?xml version="1.0" encoding="utf-8"?>
+<file path=ppt/slides/slide15.xml><?xml version="1.0" encoding="utf-8"?>
 <p:sld xmlns:a="http://schemas.openxmlformats.org/drawingml/2006/main" xmlns:r="http://schemas.openxmlformats.org/officeDocument/2006/relationships" xmlns:p="http://schemas.openxmlformats.org/presentationml/2006/main" xmlns:m="http://schemas.openxmlformats.org/officeDocument/2006/math" xmlns:w="http://schemas.openxmlformats.org/wordprocessingml/2006/main" showMasterPhAnim="0" show="1">
   <p:cSld name="">
     <p:spTree>
@@ -9670,7 +9090,7 @@
         </p:nvSpPr>
         <p:spPr bwMode="auto">
           <a:xfrm flipH="0" flipV="0">
-            <a:off x="293571" y="1379014"/>
+            <a:off x="293571" y="1145748"/>
             <a:ext cx="11776479" cy="4785719"/>
           </a:xfrm>
           <a:prstGeom prst="rect">
@@ -10119,21 +9539,21 @@
       </p:grpSpPr>
       <p:sp>
         <p:nvSpPr>
-          <p:cNvPr id="3" name="Rectangle 2"/>
+          <p:cNvPr id="1122146356" name="Rectangle 3"/>
           <p:cNvSpPr/>
           <p:nvPr/>
         </p:nvSpPr>
         <p:spPr bwMode="auto">
-          <a:xfrm>
-            <a:off x="-32068" y="1"/>
-            <a:ext cx="9483750" cy="762000"/>
+          <a:xfrm flipH="0" flipV="0">
+            <a:off x="38844" y="77753"/>
+            <a:ext cx="12209572" cy="682688"/>
           </a:xfrm>
           <a:prstGeom prst="rect">
             <a:avLst/>
           </a:prstGeom>
         </p:spPr>
         <p:txBody>
-          <a:bodyPr vert="horz" lIns="121898" tIns="60949" rIns="121898" bIns="60949" rtlCol="0" anchor="b">
+          <a:bodyPr vert="horz" lIns="121896" tIns="60948" rIns="121896" bIns="60948" rtlCol="0" anchor="b">
             <a:noAutofit/>
           </a:bodyPr>
           <a:lstStyle/>
@@ -10143,7 +9563,7 @@
             </a:pPr>
             <a:r>
               <a:rPr lang="en-US" sz="4000" b="1"/>
-              <a:t>Type Cast</a:t>
+              <a:t>Unicode system</a:t>
             </a:r>
             <a:endParaRPr/>
           </a:p>
@@ -10151,14 +9571,14 @@
       </p:sp>
       <p:sp>
         <p:nvSpPr>
-          <p:cNvPr id="5" name="TextBox 4"/>
+          <p:cNvPr id="156587509" name="TextBox 7"/>
           <p:cNvSpPr txBox="1"/>
           <p:nvPr/>
         </p:nvSpPr>
         <p:spPr bwMode="auto">
           <a:xfrm flipH="0" flipV="0">
-            <a:off x="196377" y="707571"/>
-            <a:ext cx="11903730" cy="6556607"/>
+            <a:off x="38844" y="1613417"/>
+            <a:ext cx="11986387" cy="4724759"/>
           </a:xfrm>
           <a:prstGeom prst="rect">
             <a:avLst/>
@@ -10169,214 +9589,22 @@
           <a:bodyPr wrap="square">
             <a:spAutoFit/>
           </a:bodyPr>
-          <a:lstStyle>
-            <a:defPPr>
-              <a:defRPr lang="en-US"/>
-            </a:defPPr>
-            <a:lvl1pPr marL="304747" indent="-304747">
-              <a:lnSpc>
-                <a:spcPct val="90000"/>
-              </a:lnSpc>
-              <a:spcBef>
-                <a:spcPts val="1800"/>
-              </a:spcBef>
-              <a:buClr>
-                <a:schemeClr val="accent1">
-                  <a:lumMod val="75000"/>
-                </a:schemeClr>
-              </a:buClr>
-              <a:buFont typeface="Arial"/>
-              <a:buChar char="•"/>
-              <a:defRPr sz="2800" b="1">
-                <a:solidFill>
-                  <a:schemeClr val="accent6">
-                    <a:lumMod val="75000"/>
-                  </a:schemeClr>
-                </a:solidFill>
-              </a:defRPr>
-            </a:lvl1pPr>
-          </a:lstStyle>
-          <a:p>
-            <a:pPr algn="l">
-              <a:defRPr/>
-            </a:pPr>
-            <a:r>
-              <a:rPr lang="en-US" sz="2600">
+          <a:lstStyle/>
+          <a:p>
+            <a:pPr>
+              <a:defRPr/>
+            </a:pPr>
+            <a:r>
+              <a:rPr lang="en-GB" sz="2800" b="1" i="0" u="none" strike="noStrike" cap="none" spc="0">
                 <a:solidFill>
                   <a:srgbClr val="C00000"/>
-                </a:solidFill>
-                <a:latin typeface="+mj-lt"/>
-              </a:rPr>
-              <a:t>Casting is process of changing one type value to another type in java</a:t>
-            </a:r>
-            <a:endParaRPr/>
-          </a:p>
-          <a:p>
-            <a:pPr marL="0" indent="0" algn="l">
-              <a:lnSpc>
-                <a:spcPct val="100000"/>
-              </a:lnSpc>
-              <a:spcBef>
-                <a:spcPts val="0"/>
-              </a:spcBef>
-              <a:buNone/>
-              <a:defRPr/>
-            </a:pPr>
-            <a:r>
-              <a:rPr lang="en-US" sz="2400">
-                <a:solidFill>
-                  <a:schemeClr val="accent6">
-                    <a:lumMod val="50000"/>
-                  </a:schemeClr>
-                </a:solidFill>
-                <a:latin typeface="+mj-lt"/>
-              </a:rPr>
-              <a:t>1) Implicit Type Casting(Widening Casting) :</a:t>
-            </a:r>
-            <a:endParaRPr/>
-          </a:p>
-          <a:p>
-            <a:pPr marL="0" indent="0" algn="l">
-              <a:lnSpc>
-                <a:spcPct val="100000"/>
-              </a:lnSpc>
-              <a:spcBef>
-                <a:spcPts val="0"/>
-              </a:spcBef>
-              <a:buNone/>
-              <a:defRPr/>
-            </a:pPr>
-            <a:r>
-              <a:rPr lang="en-US" sz="2400" b="0">
-                <a:solidFill>
-                  <a:schemeClr val="tx1"/>
-                </a:solidFill>
-                <a:latin typeface="+mj-lt"/>
-              </a:rPr>
-              <a:t>             </a:t>
-            </a:r>
-            <a:r>
-              <a:rPr lang="en-US" sz="2400">
-                <a:solidFill>
-                  <a:srgbClr val="C00000"/>
-                </a:solidFill>
-                <a:latin typeface="+mj-lt"/>
-              </a:rPr>
-              <a:t>byte--&gt;short--&gt;int--&gt;long--&gt;float--&gt;double</a:t>
-            </a:r>
-            <a:r>
-              <a:rPr lang="en-US" sz="2400" b="0">
-                <a:solidFill>
-                  <a:srgbClr val="C00000"/>
-                </a:solidFill>
-                <a:latin typeface="Constantia"/>
-              </a:rPr>
-              <a:t>  </a:t>
-            </a:r>
-            <a:endParaRPr/>
-          </a:p>
-          <a:p>
-            <a:pPr marL="0" indent="0" algn="l">
-              <a:lnSpc>
-                <a:spcPct val="100000"/>
-              </a:lnSpc>
-              <a:spcBef>
-                <a:spcPts val="0"/>
-              </a:spcBef>
-              <a:buNone/>
-              <a:defRPr/>
-            </a:pPr>
-            <a:r>
-              <a:rPr lang="en-GB" sz="2800" b="0" i="0" u="none" strike="noStrike" cap="none" spc="0">
-                <a:solidFill>
-                  <a:schemeClr val="tx1"/>
                 </a:solidFill>
                 <a:latin typeface="Constantia"/>
                 <a:ea typeface="Liberation Sans"/>
                 <a:cs typeface="Constantia"/>
               </a:rPr>
-              <a:t>Implicit type casting, also known as widening or automatic type promotion, occurs when the conversion is done automatically by the compiler. This happens when a value of a smaller data type is assigned to a variable of a larger data type.</a:t>
-            </a:r>
-            <a:endParaRPr/>
-          </a:p>
-          <a:p>
-            <a:pPr marL="0" indent="0" algn="l">
-              <a:buNone/>
-              <a:defRPr/>
-            </a:pPr>
-            <a:r>
-              <a:rPr lang="en-US" sz="2400">
-                <a:solidFill>
-                  <a:schemeClr val="accent6">
-                    <a:lumMod val="50000"/>
-                  </a:schemeClr>
-                </a:solidFill>
-                <a:latin typeface="+mj-lt"/>
-              </a:rPr>
-              <a:t>2) Explicit Type Casting(Narrowing Casting) </a:t>
-            </a:r>
-            <a:endParaRPr/>
-          </a:p>
-          <a:p>
-            <a:pPr marL="0" indent="0" algn="l">
-              <a:lnSpc>
-                <a:spcPct val="100000"/>
-              </a:lnSpc>
-              <a:spcBef>
-                <a:spcPts val="0"/>
-              </a:spcBef>
-              <a:buNone/>
-              <a:defRPr/>
-            </a:pPr>
-            <a:r>
-              <a:rPr lang="en-US" sz="2400">
-                <a:solidFill>
-                  <a:schemeClr val="tx1"/>
-                </a:solidFill>
-                <a:latin typeface="+mj-lt"/>
-              </a:rPr>
-              <a:t>         </a:t>
-            </a:r>
-            <a:r>
-              <a:rPr lang="en-US" sz="2400">
-                <a:solidFill>
-                  <a:srgbClr val="C00000"/>
-                </a:solidFill>
-                <a:latin typeface="Constantia"/>
-              </a:rPr>
-              <a:t>    </a:t>
-            </a:r>
-            <a:r>
-              <a:rPr lang="en-US" sz="2400" u="sng">
-                <a:solidFill>
-                  <a:srgbClr val="C00000"/>
-                </a:solidFill>
-                <a:latin typeface="+mj-lt"/>
-              </a:rPr>
-              <a:t>double--&gt;float--&gt;long--&gt;int--&gt;short--&gt;byte</a:t>
-            </a:r>
-            <a:r>
-              <a:rPr lang="en-US" sz="2400" u="sng">
-                <a:solidFill>
-                  <a:schemeClr val="tx1"/>
-                </a:solidFill>
-                <a:latin typeface="Constantia"/>
-              </a:rPr>
-              <a:t>      </a:t>
-            </a:r>
-            <a:endParaRPr/>
-          </a:p>
-          <a:p>
-            <a:pPr marL="0" indent="0" algn="l">
-              <a:lnSpc>
-                <a:spcPct val="100000"/>
-              </a:lnSpc>
-              <a:spcBef>
-                <a:spcPts val="0"/>
-              </a:spcBef>
-              <a:buNone/>
-              <a:defRPr/>
-            </a:pPr>
+              <a:t>Unicode is a character encoding standard that assigns a unique number, called a code point, to every character in the world's writing systems.</a:t>
+            </a:r>
             <a:r>
               <a:rPr lang="en-GB" sz="2800" b="0" i="0" u="none" strike="noStrike" cap="none" spc="0">
                 <a:solidFill>
@@ -10386,7 +9614,7 @@
                 <a:ea typeface="Liberation Sans"/>
                 <a:cs typeface="Constantia"/>
               </a:rPr>
-              <a:t>Explicit type casting, also known as narrowing or manual type conversion, occurs when the conversion is done manually by the programmer. This happens when a value of a larger data type is assigned to a variable of a smaller data type. In this case, the programmer needs to use a type casting operator to explicitly cast the value to the desired data type</a:t>
+              <a:t> The code points range from U+0000 to U+10FFFF, and each code point corresponds to a unique character or symbol.</a:t>
             </a:r>
             <a:endParaRPr lang="en-GB" sz="2800" b="0" i="0" u="none" strike="noStrike" cap="none" spc="0">
               <a:solidFill>
@@ -10397,16 +9625,79 @@
             </a:endParaRPr>
           </a:p>
           <a:p>
-            <a:pPr marL="0" indent="0" algn="l">
-              <a:buNone/>
-              <a:defRPr/>
-            </a:pPr>
-            <a:endParaRPr lang="en-US" b="0">
+            <a:pPr>
+              <a:defRPr/>
+            </a:pPr>
+            <a:endParaRPr lang="en-GB" sz="2800" b="0" i="0" u="none" strike="noStrike" cap="none" spc="0">
               <a:solidFill>
                 <a:schemeClr val="tx1"/>
               </a:solidFill>
-              <a:latin typeface="+mj-lt"/>
+              <a:latin typeface="Constantia"/>
+              <a:cs typeface="Constantia"/>
             </a:endParaRPr>
+          </a:p>
+          <a:p>
+            <a:pPr>
+              <a:defRPr/>
+            </a:pPr>
+            <a:r>
+              <a:rPr lang="en-GB" sz="2800" b="0" i="0" u="none" strike="noStrike" cap="none" spc="0">
+                <a:solidFill>
+                  <a:schemeClr val="tx1"/>
+                </a:solidFill>
+                <a:latin typeface="Constantia"/>
+                <a:ea typeface="Liberation Sans"/>
+                <a:cs typeface="Constantia"/>
+              </a:rPr>
+              <a:t>However, </a:t>
+            </a:r>
+            <a:r>
+              <a:rPr lang="en-GB" sz="2800" b="1" i="0" u="none" strike="noStrike" cap="none" spc="0">
+                <a:solidFill>
+                  <a:srgbClr val="C00000"/>
+                </a:solidFill>
+                <a:latin typeface="Constantia"/>
+                <a:ea typeface="Liberation Sans"/>
+                <a:cs typeface="Constantia"/>
+              </a:rPr>
+              <a:t>Unicode is not a specific encoding scheme for representing these code points as binary data.</a:t>
+            </a:r>
+            <a:r>
+              <a:rPr lang="en-GB" sz="2800" b="0" i="0" u="none" strike="noStrike" cap="none" spc="0">
+                <a:solidFill>
+                  <a:schemeClr val="tx1"/>
+                </a:solidFill>
+                <a:latin typeface="Constantia"/>
+                <a:ea typeface="Liberation Sans"/>
+                <a:cs typeface="Constantia"/>
+              </a:rPr>
+              <a:t> There are several encoding schemes, such as UTF-8, UTF-16, and UTF-32, that can be used to represent Unicode code points as sequences of bytes.</a:t>
+            </a:r>
+            <a:endParaRPr lang="en-GB" sz="2800" b="0" i="0" u="none" strike="noStrike" cap="none" spc="0">
+              <a:solidFill>
+                <a:schemeClr val="tx1"/>
+              </a:solidFill>
+              <a:latin typeface="Constantia"/>
+              <a:cs typeface="Constantia"/>
+            </a:endParaRPr>
+          </a:p>
+          <a:p>
+            <a:pPr>
+              <a:defRPr/>
+            </a:pPr>
+            <a:endParaRPr lang="en-GB" sz="2800" b="0" i="0" u="none" strike="noStrike" cap="none" spc="0">
+              <a:solidFill>
+                <a:schemeClr val="tx1"/>
+              </a:solidFill>
+              <a:latin typeface="Constantia"/>
+              <a:cs typeface="Constantia"/>
+            </a:endParaRPr>
+          </a:p>
+          <a:p>
+            <a:pPr>
+              <a:defRPr/>
+            </a:pPr>
+            <a:endParaRPr lang="en-IN"/>
           </a:p>
         </p:txBody>
       </p:sp>
@@ -10449,14 +9740,14 @@
       </p:grpSpPr>
       <p:sp>
         <p:nvSpPr>
-          <p:cNvPr id="332045303" name="Rectangle 2"/>
+          <p:cNvPr id="77943966" name="Rectangle 3"/>
           <p:cNvSpPr/>
           <p:nvPr/>
         </p:nvSpPr>
         <p:spPr bwMode="auto">
-          <a:xfrm>
-            <a:off x="-32067" y="0"/>
-            <a:ext cx="9483750" cy="761998"/>
+          <a:xfrm flipH="0" flipV="0">
+            <a:off x="38844" y="77753"/>
+            <a:ext cx="12209572" cy="682688"/>
           </a:xfrm>
           <a:prstGeom prst="rect">
             <a:avLst/>
@@ -10472,23 +9763,30 @@
               <a:defRPr/>
             </a:pPr>
             <a:r>
-              <a:rPr lang="en-US" sz="4000" b="1"/>
-              <a:t>Take user input in JAVA</a:t>
-            </a:r>
-            <a:endParaRPr/>
+              <a:rPr lang="en-GB" sz="4000" b="1" i="0" u="none" strike="noStrike" cap="none" spc="0">
+                <a:solidFill>
+                  <a:schemeClr val="tx1"/>
+                </a:solidFill>
+                <a:latin typeface="Constantia"/>
+                <a:ea typeface="Liberation Sans"/>
+                <a:cs typeface="Constantia"/>
+              </a:rPr>
+              <a:t>Encoding Scheme</a:t>
+            </a:r>
+            <a:endParaRPr sz="4000" b="1"/>
           </a:p>
         </p:txBody>
       </p:sp>
       <p:sp>
         <p:nvSpPr>
-          <p:cNvPr id="115103427" name="TextBox 3"/>
+          <p:cNvPr id="882948010" name="TextBox 7"/>
           <p:cNvSpPr txBox="1"/>
           <p:nvPr/>
         </p:nvSpPr>
         <p:spPr bwMode="auto">
           <a:xfrm flipH="0" flipV="0">
-            <a:off x="157499" y="1295398"/>
-            <a:ext cx="11507069" cy="1920600"/>
+            <a:off x="148276" y="680356"/>
+            <a:ext cx="11991427" cy="5639159"/>
           </a:xfrm>
           <a:prstGeom prst="rect">
             <a:avLst/>
@@ -10501,52 +9799,22 @@
           </a:bodyPr>
           <a:lstStyle/>
           <a:p>
-            <a:pPr marL="349965" indent="-349965">
-              <a:buFont typeface="Wingdings"/>
-              <a:buChar char="Ø"/>
-              <a:defRPr/>
-            </a:pPr>
-            <a:r>
-              <a:rPr lang="en-IN" b="1">
-                <a:solidFill>
-                  <a:schemeClr val="accent4"/>
-                </a:solidFill>
-              </a:rPr>
-              <a:t>Java Scanner Class</a:t>
-            </a:r>
-            <a:endParaRPr>
-              <a:solidFill>
-                <a:schemeClr val="accent4"/>
-              </a:solidFill>
-            </a:endParaRPr>
-          </a:p>
-          <a:p>
             <a:pPr>
               <a:defRPr/>
             </a:pPr>
             <a:r>
-              <a:rPr lang="en-IN" sz="2400" b="0" i="0" u="none" strike="noStrike" cap="none" spc="0">
-                <a:solidFill>
-                  <a:schemeClr val="tx1"/>
-                </a:solidFill>
-                <a:latin typeface="Constantia"/>
-                <a:cs typeface="Constantia"/>
-              </a:rPr>
-              <a:t>In </a:t>
-            </a:r>
-            <a:r>
-              <a:rPr lang="en-IN" sz="2400" b="0" i="0" u="none" strike="noStrike" cap="none" spc="0">
-                <a:solidFill>
-                  <a:schemeClr val="tx1"/>
+              <a:rPr lang="en-GB" sz="2800" b="1" i="0" u="none" strike="noStrike" cap="none" spc="0">
+                <a:solidFill>
+                  <a:srgbClr val="C00000"/>
                 </a:solidFill>
                 <a:latin typeface="Constantia"/>
                 <a:ea typeface="Liberation Sans"/>
                 <a:cs typeface="Constantia"/>
               </a:rPr>
-              <a:t>Java, you can take user input using the </a:t>
-            </a:r>
-            <a:r>
-              <a:rPr lang="en-IN" sz="2400" b="0" i="0" u="none" strike="noStrike" cap="none" spc="0">
+              <a:t>UTF-8:</a:t>
+            </a:r>
+            <a:r>
+              <a:rPr lang="en-GB" sz="2800" b="0" i="0" u="none" strike="noStrike" cap="none" spc="0">
                 <a:solidFill>
                   <a:schemeClr val="tx1"/>
                 </a:solidFill>
@@ -10554,43 +9822,69 @@
                 <a:ea typeface="Liberation Sans"/>
                 <a:cs typeface="Constantia"/>
               </a:rPr>
-              <a:t>Scanner</a:t>
-            </a:r>
-            <a:r>
-              <a:rPr lang="en-IN" sz="2400" b="0" i="0" u="none" strike="noStrike" cap="none" spc="0">
-                <a:solidFill>
-                  <a:schemeClr val="tx1"/>
+              <a:t> UTF-8 is a variable-length encoding scheme that uses between 1 and 4 bytes to represent each code point, depending on its value. It is the most commonly used encoding scheme on the web and in modern operating systems, and it is backward-compatible with ASCII. In UTF-8, ASCII characters are represented by a single byte, and non-ASCII characters are represented by multiple bytes.</a:t>
+            </a:r>
+            <a:endParaRPr lang="en-GB" sz="2800" b="0" i="0" u="none" strike="noStrike" cap="none" spc="0">
+              <a:solidFill>
+                <a:schemeClr val="tx1"/>
+              </a:solidFill>
+              <a:latin typeface="Constantia"/>
+              <a:cs typeface="Constantia"/>
+            </a:endParaRPr>
+          </a:p>
+          <a:p>
+            <a:pPr>
+              <a:defRPr/>
+            </a:pPr>
+            <a:endParaRPr lang="en-GB" sz="2800" b="0" i="0" u="none" strike="noStrike" cap="none" spc="0">
+              <a:solidFill>
+                <a:schemeClr val="tx1"/>
+              </a:solidFill>
+              <a:latin typeface="Constantia"/>
+              <a:cs typeface="Constantia"/>
+            </a:endParaRPr>
+          </a:p>
+          <a:p>
+            <a:pPr>
+              <a:defRPr/>
+            </a:pPr>
+            <a:r>
+              <a:rPr lang="en-GB" sz="2800" b="1" i="0" u="none" strike="noStrike" cap="none" spc="0">
+                <a:solidFill>
+                  <a:srgbClr val="C00000"/>
                 </a:solidFill>
                 <a:latin typeface="Constantia"/>
                 <a:ea typeface="Liberation Sans"/>
                 <a:cs typeface="Constantia"/>
               </a:rPr>
-              <a:t> class, which is part of the </a:t>
-            </a:r>
-            <a:r>
-              <a:rPr lang="en-IN" sz="2400" b="1" i="0" u="none" strike="noStrike" cap="none" spc="0">
-                <a:solidFill>
-                  <a:schemeClr val="accent4"/>
+              <a:t>UTF-16:</a:t>
+            </a:r>
+            <a:r>
+              <a:rPr lang="en-GB" sz="2800" b="0" i="0" u="none" strike="noStrike" cap="none" spc="0">
+                <a:solidFill>
+                  <a:schemeClr val="tx1"/>
                 </a:solidFill>
                 <a:latin typeface="Constantia"/>
                 <a:ea typeface="Liberation Sans"/>
                 <a:cs typeface="Constantia"/>
               </a:rPr>
-              <a:t>java.util</a:t>
-            </a:r>
-            <a:r>
-              <a:rPr lang="en-IN" sz="2400" b="1" i="0" u="none" strike="noStrike" cap="none" spc="0">
-                <a:solidFill>
-                  <a:schemeClr val="accent4"/>
+              <a:t> UTF-16 is a fixed-length encoding scheme that uses 2 or 4 bytes to represent each code point, depending on its value. It is widely used in Windows operating systems and programming languages such as </a:t>
+            </a:r>
+            <a:r>
+              <a:rPr lang="en-GB" sz="2800" b="1" i="0" u="none" strike="noStrike" cap="none" spc="0">
+                <a:solidFill>
+                  <a:schemeClr val="accent6">
+                    <a:lumMod val="75000"/>
+                  </a:schemeClr>
                 </a:solidFill>
                 <a:latin typeface="Constantia"/>
                 <a:ea typeface="Liberation Sans"/>
                 <a:cs typeface="Constantia"/>
               </a:rPr>
-              <a:t> </a:t>
-            </a:r>
-            <a:r>
-              <a:rPr lang="en-IN" sz="2400" b="0" i="0" u="none" strike="noStrike" cap="none" spc="0">
+              <a:t>Java</a:t>
+            </a:r>
+            <a:r>
+              <a:rPr lang="en-GB" sz="2800" b="0" i="0" u="none" strike="noStrike" cap="none" spc="0">
                 <a:solidFill>
                   <a:schemeClr val="tx1"/>
                 </a:solidFill>
@@ -10598,73 +9892,18 @@
                 <a:ea typeface="Liberation Sans"/>
                 <a:cs typeface="Constantia"/>
               </a:rPr>
-              <a:t>package. The </a:t>
-            </a:r>
-            <a:r>
-              <a:rPr lang="en-IN" sz="2400" b="1" i="0" u="none" strike="noStrike" cap="none" spc="0">
-                <a:solidFill>
-                  <a:schemeClr val="accent4"/>
-                </a:solidFill>
-                <a:latin typeface="Constantia"/>
-                <a:ea typeface="Liberation Sans"/>
-                <a:cs typeface="Constantia"/>
-              </a:rPr>
-              <a:t>Scanner</a:t>
-            </a:r>
-            <a:r>
-              <a:rPr lang="en-IN" sz="2400" b="1" i="0" u="none" strike="noStrike" cap="none" spc="0">
-                <a:solidFill>
-                  <a:schemeClr val="accent4"/>
-                </a:solidFill>
-                <a:latin typeface="Constantia"/>
-                <a:ea typeface="Liberation Sans"/>
-                <a:cs typeface="Constantia"/>
-              </a:rPr>
-              <a:t> class</a:t>
-            </a:r>
-            <a:r>
-              <a:rPr lang="en-IN" sz="2400" b="0" i="0" u="none" strike="noStrike" cap="none" spc="0">
-                <a:solidFill>
-                  <a:schemeClr val="tx1"/>
-                </a:solidFill>
-                <a:latin typeface="Constantia"/>
-                <a:ea typeface="Liberation Sans"/>
-                <a:cs typeface="Constantia"/>
-              </a:rPr>
-              <a:t> provides methods to read input from various sources, such as the keyboard or a file.</a:t>
-            </a:r>
-            <a:endParaRPr/>
-          </a:p>
-          <a:p>
-            <a:pPr>
-              <a:defRPr/>
-            </a:pPr>
-            <a:endParaRPr lang="en-IN"/>
+              <a:t> and C#. In UTF-16, code points in the Basic Multilingual Plane (BMP) are represented by 2 bytes, and code points outside the BMP are represented by a pair of 2-byte values called surrogate pairs.</a:t>
+            </a:r>
+            <a:endParaRPr lang="en-GB" sz="2800" b="0" i="0" u="none" strike="noStrike" cap="none" spc="0">
+              <a:solidFill>
+                <a:schemeClr val="tx1"/>
+              </a:solidFill>
+              <a:latin typeface="Constantia"/>
+              <a:cs typeface="Constantia"/>
+            </a:endParaRPr>
           </a:p>
         </p:txBody>
       </p:sp>
-      <p:pic>
-        <p:nvPicPr>
-          <p:cNvPr id="784875011" name=""/>
-          <p:cNvPicPr>
-            <a:picLocks noChangeAspect="1"/>
-          </p:cNvPicPr>
-          <p:nvPr/>
-        </p:nvPicPr>
-        <p:blipFill>
-          <a:blip r:embed="rId2"/>
-          <a:stretch/>
-        </p:blipFill>
-        <p:spPr bwMode="auto">
-          <a:xfrm flipH="0" flipV="0">
-            <a:off x="3151020" y="2819481"/>
-            <a:ext cx="7931071" cy="3862326"/>
-          </a:xfrm>
-          <a:prstGeom prst="rect">
-            <a:avLst/>
-          </a:prstGeom>
-        </p:spPr>
-      </p:pic>
     </p:spTree>
   </p:cSld>
   <p:clrMapOvr>
